--- a/Layouts.pptx
+++ b/Layouts.pptx
@@ -244,7 +244,7 @@
           <a:p>
             <a:fld id="{ED42A9AF-1BB4-46E1-8DE2-E400D839517A}" type="datetimeFigureOut">
               <a:rPr lang="en-GB" smtClean="0"/>
-              <a:t>08/10/2019</a:t>
+              <a:t>22/10/2019</a:t>
             </a:fld>
             <a:endParaRPr lang="en-GB"/>
           </a:p>
@@ -414,7 +414,7 @@
           <a:p>
             <a:fld id="{ED42A9AF-1BB4-46E1-8DE2-E400D839517A}" type="datetimeFigureOut">
               <a:rPr lang="en-GB" smtClean="0"/>
-              <a:t>08/10/2019</a:t>
+              <a:t>22/10/2019</a:t>
             </a:fld>
             <a:endParaRPr lang="en-GB"/>
           </a:p>
@@ -594,7 +594,7 @@
           <a:p>
             <a:fld id="{ED42A9AF-1BB4-46E1-8DE2-E400D839517A}" type="datetimeFigureOut">
               <a:rPr lang="en-GB" smtClean="0"/>
-              <a:t>08/10/2019</a:t>
+              <a:t>22/10/2019</a:t>
             </a:fld>
             <a:endParaRPr lang="en-GB"/>
           </a:p>
@@ -764,7 +764,7 @@
           <a:p>
             <a:fld id="{ED42A9AF-1BB4-46E1-8DE2-E400D839517A}" type="datetimeFigureOut">
               <a:rPr lang="en-GB" smtClean="0"/>
-              <a:t>08/10/2019</a:t>
+              <a:t>22/10/2019</a:t>
             </a:fld>
             <a:endParaRPr lang="en-GB"/>
           </a:p>
@@ -1010,7 +1010,7 @@
           <a:p>
             <a:fld id="{ED42A9AF-1BB4-46E1-8DE2-E400D839517A}" type="datetimeFigureOut">
               <a:rPr lang="en-GB" smtClean="0"/>
-              <a:t>08/10/2019</a:t>
+              <a:t>22/10/2019</a:t>
             </a:fld>
             <a:endParaRPr lang="en-GB"/>
           </a:p>
@@ -1242,7 +1242,7 @@
           <a:p>
             <a:fld id="{ED42A9AF-1BB4-46E1-8DE2-E400D839517A}" type="datetimeFigureOut">
               <a:rPr lang="en-GB" smtClean="0"/>
-              <a:t>08/10/2019</a:t>
+              <a:t>22/10/2019</a:t>
             </a:fld>
             <a:endParaRPr lang="en-GB"/>
           </a:p>
@@ -1609,7 +1609,7 @@
           <a:p>
             <a:fld id="{ED42A9AF-1BB4-46E1-8DE2-E400D839517A}" type="datetimeFigureOut">
               <a:rPr lang="en-GB" smtClean="0"/>
-              <a:t>08/10/2019</a:t>
+              <a:t>22/10/2019</a:t>
             </a:fld>
             <a:endParaRPr lang="en-GB"/>
           </a:p>
@@ -1727,7 +1727,7 @@
           <a:p>
             <a:fld id="{ED42A9AF-1BB4-46E1-8DE2-E400D839517A}" type="datetimeFigureOut">
               <a:rPr lang="en-GB" smtClean="0"/>
-              <a:t>08/10/2019</a:t>
+              <a:t>22/10/2019</a:t>
             </a:fld>
             <a:endParaRPr lang="en-GB"/>
           </a:p>
@@ -1822,7 +1822,7 @@
           <a:p>
             <a:fld id="{ED42A9AF-1BB4-46E1-8DE2-E400D839517A}" type="datetimeFigureOut">
               <a:rPr lang="en-GB" smtClean="0"/>
-              <a:t>08/10/2019</a:t>
+              <a:t>22/10/2019</a:t>
             </a:fld>
             <a:endParaRPr lang="en-GB"/>
           </a:p>
@@ -2099,7 +2099,7 @@
           <a:p>
             <a:fld id="{ED42A9AF-1BB4-46E1-8DE2-E400D839517A}" type="datetimeFigureOut">
               <a:rPr lang="en-GB" smtClean="0"/>
-              <a:t>08/10/2019</a:t>
+              <a:t>22/10/2019</a:t>
             </a:fld>
             <a:endParaRPr lang="en-GB"/>
           </a:p>
@@ -2352,7 +2352,7 @@
           <a:p>
             <a:fld id="{ED42A9AF-1BB4-46E1-8DE2-E400D839517A}" type="datetimeFigureOut">
               <a:rPr lang="en-GB" smtClean="0"/>
-              <a:t>08/10/2019</a:t>
+              <a:t>22/10/2019</a:t>
             </a:fld>
             <a:endParaRPr lang="en-GB"/>
           </a:p>
@@ -2565,7 +2565,7 @@
           <a:p>
             <a:fld id="{ED42A9AF-1BB4-46E1-8DE2-E400D839517A}" type="datetimeFigureOut">
               <a:rPr lang="en-GB" smtClean="0"/>
-              <a:t>08/10/2019</a:t>
+              <a:t>22/10/2019</a:t>
             </a:fld>
             <a:endParaRPr lang="en-GB"/>
           </a:p>
@@ -2970,46 +2970,1770 @@
           <a:chExt cx="0" cy="0"/>
         </a:xfrm>
       </p:grpSpPr>
+      <p:sp>
+        <p:nvSpPr>
+          <p:cNvPr id="52" name="Rectangle 51"/>
+          <p:cNvSpPr/>
+          <p:nvPr/>
+        </p:nvSpPr>
+        <p:spPr>
+          <a:xfrm>
+            <a:off x="2277469" y="272053"/>
+            <a:ext cx="6494480" cy="5902899"/>
+          </a:xfrm>
+          <a:prstGeom prst="rect">
+            <a:avLst/>
+          </a:prstGeom>
+          <a:solidFill>
+            <a:schemeClr val="accent1">
+              <a:lumMod val="40000"/>
+              <a:lumOff val="60000"/>
+            </a:schemeClr>
+          </a:solidFill>
+          <a:ln w="9525">
+            <a:prstDash val="dash"/>
+          </a:ln>
+        </p:spPr>
+        <p:style>
+          <a:lnRef idx="2">
+            <a:schemeClr val="accent1">
+              <a:shade val="50000"/>
+            </a:schemeClr>
+          </a:lnRef>
+          <a:fillRef idx="1">
+            <a:schemeClr val="accent1"/>
+          </a:fillRef>
+          <a:effectRef idx="0">
+            <a:schemeClr val="accent1"/>
+          </a:effectRef>
+          <a:fontRef idx="minor">
+            <a:schemeClr val="lt1"/>
+          </a:fontRef>
+        </p:style>
+        <p:txBody>
+          <a:bodyPr rtlCol="0" anchor="ctr"/>
+          <a:lstStyle/>
+          <a:p>
+            <a:pPr algn="ctr"/>
+            <a:endParaRPr lang="en-GB" sz="900" dirty="0"/>
+          </a:p>
+        </p:txBody>
+      </p:sp>
+      <p:sp>
+        <p:nvSpPr>
+          <p:cNvPr id="4" name="Rectangle 3"/>
+          <p:cNvSpPr/>
+          <p:nvPr/>
+        </p:nvSpPr>
+        <p:spPr>
+          <a:xfrm>
+            <a:off x="401753" y="1441678"/>
+            <a:ext cx="960761" cy="945305"/>
+          </a:xfrm>
+          <a:prstGeom prst="rect">
+            <a:avLst/>
+          </a:prstGeom>
+        </p:spPr>
+        <p:style>
+          <a:lnRef idx="2">
+            <a:schemeClr val="accent2">
+              <a:shade val="50000"/>
+            </a:schemeClr>
+          </a:lnRef>
+          <a:fillRef idx="1">
+            <a:schemeClr val="accent2"/>
+          </a:fillRef>
+          <a:effectRef idx="0">
+            <a:schemeClr val="accent2"/>
+          </a:effectRef>
+          <a:fontRef idx="minor">
+            <a:schemeClr val="lt1"/>
+          </a:fontRef>
+        </p:style>
+        <p:txBody>
+          <a:bodyPr rtlCol="0" anchor="ctr"/>
+          <a:lstStyle/>
+          <a:p>
+            <a:pPr algn="ctr"/>
+            <a:endParaRPr lang="en-GB" sz="900" dirty="0"/>
+          </a:p>
+        </p:txBody>
+      </p:sp>
+      <p:sp>
+        <p:nvSpPr>
+          <p:cNvPr id="5" name="Rectangle 4"/>
+          <p:cNvSpPr/>
+          <p:nvPr/>
+        </p:nvSpPr>
+        <p:spPr>
+          <a:xfrm>
+            <a:off x="1369277" y="1441678"/>
+            <a:ext cx="678657" cy="945305"/>
+          </a:xfrm>
+          <a:prstGeom prst="rect">
+            <a:avLst/>
+          </a:prstGeom>
+        </p:spPr>
+        <p:style>
+          <a:lnRef idx="2">
+            <a:schemeClr val="accent6">
+              <a:shade val="50000"/>
+            </a:schemeClr>
+          </a:lnRef>
+          <a:fillRef idx="1">
+            <a:schemeClr val="accent6"/>
+          </a:fillRef>
+          <a:effectRef idx="0">
+            <a:schemeClr val="accent6"/>
+          </a:effectRef>
+          <a:fontRef idx="minor">
+            <a:schemeClr val="lt1"/>
+          </a:fontRef>
+        </p:style>
+        <p:txBody>
+          <a:bodyPr rtlCol="0" anchor="ctr"/>
+          <a:lstStyle/>
+          <a:p>
+            <a:pPr algn="ctr"/>
+            <a:endParaRPr lang="en-GB" sz="900" dirty="0"/>
+          </a:p>
+        </p:txBody>
+      </p:sp>
+      <p:sp>
+        <p:nvSpPr>
+          <p:cNvPr id="6" name="Rectangle 5"/>
+          <p:cNvSpPr/>
+          <p:nvPr/>
+        </p:nvSpPr>
+        <p:spPr>
+          <a:xfrm>
+            <a:off x="2496642" y="1691323"/>
+            <a:ext cx="1000676" cy="1668526"/>
+          </a:xfrm>
+          <a:prstGeom prst="rect">
+            <a:avLst/>
+          </a:prstGeom>
+        </p:spPr>
+        <p:style>
+          <a:lnRef idx="2">
+            <a:schemeClr val="accent1">
+              <a:shade val="50000"/>
+            </a:schemeClr>
+          </a:lnRef>
+          <a:fillRef idx="1">
+            <a:schemeClr val="accent1"/>
+          </a:fillRef>
+          <a:effectRef idx="0">
+            <a:schemeClr val="accent1"/>
+          </a:effectRef>
+          <a:fontRef idx="minor">
+            <a:schemeClr val="lt1"/>
+          </a:fontRef>
+        </p:style>
+        <p:txBody>
+          <a:bodyPr rtlCol="0" anchor="ctr"/>
+          <a:lstStyle/>
+          <a:p>
+            <a:pPr algn="ctr"/>
+            <a:endParaRPr lang="en-GB" sz="900" dirty="0"/>
+          </a:p>
+        </p:txBody>
+      </p:sp>
+      <p:sp>
+        <p:nvSpPr>
+          <p:cNvPr id="7" name="Rectangle 6"/>
+          <p:cNvSpPr/>
+          <p:nvPr/>
+        </p:nvSpPr>
+        <p:spPr>
+          <a:xfrm>
+            <a:off x="3955960" y="2052933"/>
+            <a:ext cx="1000676" cy="945305"/>
+          </a:xfrm>
+          <a:prstGeom prst="rect">
+            <a:avLst/>
+          </a:prstGeom>
+        </p:spPr>
+        <p:style>
+          <a:lnRef idx="2">
+            <a:schemeClr val="accent1">
+              <a:shade val="50000"/>
+            </a:schemeClr>
+          </a:lnRef>
+          <a:fillRef idx="1">
+            <a:schemeClr val="accent1"/>
+          </a:fillRef>
+          <a:effectRef idx="0">
+            <a:schemeClr val="accent1"/>
+          </a:effectRef>
+          <a:fontRef idx="minor">
+            <a:schemeClr val="lt1"/>
+          </a:fontRef>
+        </p:style>
+        <p:txBody>
+          <a:bodyPr rtlCol="0" anchor="ctr"/>
+          <a:lstStyle/>
+          <a:p>
+            <a:pPr algn="ctr"/>
+            <a:endParaRPr lang="en-GB" sz="900" dirty="0"/>
+          </a:p>
+        </p:txBody>
+      </p:sp>
+      <p:sp>
+        <p:nvSpPr>
+          <p:cNvPr id="8" name="Rectangle 7"/>
+          <p:cNvSpPr/>
+          <p:nvPr/>
+        </p:nvSpPr>
+        <p:spPr>
+          <a:xfrm>
+            <a:off x="5540364" y="1308865"/>
+            <a:ext cx="1000676" cy="2423493"/>
+          </a:xfrm>
+          <a:prstGeom prst="rect">
+            <a:avLst/>
+          </a:prstGeom>
+        </p:spPr>
+        <p:style>
+          <a:lnRef idx="2">
+            <a:schemeClr val="accent1">
+              <a:shade val="50000"/>
+            </a:schemeClr>
+          </a:lnRef>
+          <a:fillRef idx="1">
+            <a:schemeClr val="accent1"/>
+          </a:fillRef>
+          <a:effectRef idx="0">
+            <a:schemeClr val="accent1"/>
+          </a:effectRef>
+          <a:fontRef idx="minor">
+            <a:schemeClr val="lt1"/>
+          </a:fontRef>
+        </p:style>
+        <p:txBody>
+          <a:bodyPr rtlCol="0" anchor="ctr"/>
+          <a:lstStyle/>
+          <a:p>
+            <a:pPr algn="ctr"/>
+            <a:endParaRPr lang="en-GB" sz="900" dirty="0"/>
+          </a:p>
+        </p:txBody>
+      </p:sp>
+      <p:sp>
+        <p:nvSpPr>
+          <p:cNvPr id="10" name="Rectangle 9"/>
+          <p:cNvSpPr/>
+          <p:nvPr/>
+        </p:nvSpPr>
+        <p:spPr>
+          <a:xfrm>
+            <a:off x="8955997" y="2052934"/>
+            <a:ext cx="570733" cy="301693"/>
+          </a:xfrm>
+          <a:prstGeom prst="rect">
+            <a:avLst/>
+          </a:prstGeom>
+        </p:spPr>
+        <p:style>
+          <a:lnRef idx="2">
+            <a:schemeClr val="accent6">
+              <a:shade val="50000"/>
+            </a:schemeClr>
+          </a:lnRef>
+          <a:fillRef idx="1">
+            <a:schemeClr val="accent6"/>
+          </a:fillRef>
+          <a:effectRef idx="0">
+            <a:schemeClr val="accent6"/>
+          </a:effectRef>
+          <a:fontRef idx="minor">
+            <a:schemeClr val="lt1"/>
+          </a:fontRef>
+        </p:style>
+        <p:txBody>
+          <a:bodyPr rtlCol="0" anchor="ctr"/>
+          <a:lstStyle/>
+          <a:p>
+            <a:pPr algn="ctr"/>
+            <a:endParaRPr lang="en-GB" sz="900" dirty="0"/>
+          </a:p>
+        </p:txBody>
+      </p:sp>
+      <p:sp>
+        <p:nvSpPr>
+          <p:cNvPr id="11" name="Rectangle 10"/>
+          <p:cNvSpPr/>
+          <p:nvPr/>
+        </p:nvSpPr>
+        <p:spPr>
+          <a:xfrm>
+            <a:off x="8955997" y="2696545"/>
+            <a:ext cx="570733" cy="301693"/>
+          </a:xfrm>
+          <a:prstGeom prst="rect">
+            <a:avLst/>
+          </a:prstGeom>
+        </p:spPr>
+        <p:style>
+          <a:lnRef idx="2">
+            <a:schemeClr val="accent6">
+              <a:shade val="50000"/>
+            </a:schemeClr>
+          </a:lnRef>
+          <a:fillRef idx="1">
+            <a:schemeClr val="accent6"/>
+          </a:fillRef>
+          <a:effectRef idx="0">
+            <a:schemeClr val="accent6"/>
+          </a:effectRef>
+          <a:fontRef idx="minor">
+            <a:schemeClr val="lt1"/>
+          </a:fontRef>
+        </p:style>
+        <p:txBody>
+          <a:bodyPr rtlCol="0" anchor="ctr"/>
+          <a:lstStyle/>
+          <a:p>
+            <a:pPr algn="ctr"/>
+            <a:endParaRPr lang="en-GB" sz="900" dirty="0"/>
+          </a:p>
+        </p:txBody>
+      </p:sp>
+      <p:sp>
+        <p:nvSpPr>
+          <p:cNvPr id="13" name="Rectangle 12"/>
+          <p:cNvSpPr/>
+          <p:nvPr/>
+        </p:nvSpPr>
+        <p:spPr>
+          <a:xfrm>
+            <a:off x="10239793" y="2052933"/>
+            <a:ext cx="579864" cy="945305"/>
+          </a:xfrm>
+          <a:prstGeom prst="rect">
+            <a:avLst/>
+          </a:prstGeom>
+        </p:spPr>
+        <p:style>
+          <a:lnRef idx="2">
+            <a:schemeClr val="accent2">
+              <a:shade val="50000"/>
+            </a:schemeClr>
+          </a:lnRef>
+          <a:fillRef idx="1">
+            <a:schemeClr val="accent2"/>
+          </a:fillRef>
+          <a:effectRef idx="0">
+            <a:schemeClr val="accent2"/>
+          </a:effectRef>
+          <a:fontRef idx="minor">
+            <a:schemeClr val="lt1"/>
+          </a:fontRef>
+        </p:style>
+        <p:txBody>
+          <a:bodyPr rtlCol="0" anchor="ctr"/>
+          <a:lstStyle/>
+          <a:p>
+            <a:pPr algn="ctr"/>
+            <a:endParaRPr lang="en-GB" sz="900" dirty="0"/>
+          </a:p>
+        </p:txBody>
+      </p:sp>
+      <p:sp>
+        <p:nvSpPr>
+          <p:cNvPr id="14" name="Rectangle 13"/>
+          <p:cNvSpPr/>
+          <p:nvPr/>
+        </p:nvSpPr>
+        <p:spPr>
+          <a:xfrm>
+            <a:off x="9903655" y="4756995"/>
+            <a:ext cx="704242" cy="945305"/>
+          </a:xfrm>
+          <a:prstGeom prst="rect">
+            <a:avLst/>
+          </a:prstGeom>
+        </p:spPr>
+        <p:style>
+          <a:lnRef idx="2">
+            <a:schemeClr val="accent2">
+              <a:shade val="50000"/>
+            </a:schemeClr>
+          </a:lnRef>
+          <a:fillRef idx="1">
+            <a:schemeClr val="accent2"/>
+          </a:fillRef>
+          <a:effectRef idx="0">
+            <a:schemeClr val="accent2"/>
+          </a:effectRef>
+          <a:fontRef idx="minor">
+            <a:schemeClr val="lt1"/>
+          </a:fontRef>
+        </p:style>
+        <p:txBody>
+          <a:bodyPr rtlCol="0" anchor="ctr"/>
+          <a:lstStyle/>
+          <a:p>
+            <a:pPr algn="ctr"/>
+            <a:endParaRPr lang="en-GB" sz="900" dirty="0"/>
+          </a:p>
+        </p:txBody>
+      </p:sp>
+      <p:sp>
+        <p:nvSpPr>
+          <p:cNvPr id="15" name="Rectangle 14"/>
+          <p:cNvSpPr/>
+          <p:nvPr/>
+        </p:nvSpPr>
+        <p:spPr>
+          <a:xfrm>
+            <a:off x="9337802" y="4756995"/>
+            <a:ext cx="565852" cy="945305"/>
+          </a:xfrm>
+          <a:prstGeom prst="rect">
+            <a:avLst/>
+          </a:prstGeom>
+        </p:spPr>
+        <p:style>
+          <a:lnRef idx="2">
+            <a:schemeClr val="accent6">
+              <a:shade val="50000"/>
+            </a:schemeClr>
+          </a:lnRef>
+          <a:fillRef idx="1">
+            <a:schemeClr val="accent6"/>
+          </a:fillRef>
+          <a:effectRef idx="0">
+            <a:schemeClr val="accent6"/>
+          </a:effectRef>
+          <a:fontRef idx="minor">
+            <a:schemeClr val="lt1"/>
+          </a:fontRef>
+        </p:style>
+        <p:txBody>
+          <a:bodyPr rtlCol="0" anchor="ctr"/>
+          <a:lstStyle/>
+          <a:p>
+            <a:pPr algn="ctr"/>
+            <a:endParaRPr lang="en-GB" sz="900" dirty="0"/>
+          </a:p>
+        </p:txBody>
+      </p:sp>
+      <p:sp>
+        <p:nvSpPr>
+          <p:cNvPr id="16" name="Rectangle 15"/>
+          <p:cNvSpPr/>
+          <p:nvPr/>
+        </p:nvSpPr>
+        <p:spPr>
+          <a:xfrm>
+            <a:off x="7109717" y="4756995"/>
+            <a:ext cx="1000676" cy="945305"/>
+          </a:xfrm>
+          <a:prstGeom prst="rect">
+            <a:avLst/>
+          </a:prstGeom>
+        </p:spPr>
+        <p:style>
+          <a:lnRef idx="2">
+            <a:schemeClr val="accent1">
+              <a:shade val="50000"/>
+            </a:schemeClr>
+          </a:lnRef>
+          <a:fillRef idx="1">
+            <a:schemeClr val="accent1"/>
+          </a:fillRef>
+          <a:effectRef idx="0">
+            <a:schemeClr val="accent1"/>
+          </a:effectRef>
+          <a:fontRef idx="minor">
+            <a:schemeClr val="lt1"/>
+          </a:fontRef>
+        </p:style>
+        <p:txBody>
+          <a:bodyPr rtlCol="0" anchor="ctr"/>
+          <a:lstStyle/>
+          <a:p>
+            <a:pPr algn="ctr"/>
+            <a:endParaRPr lang="en-GB" sz="900" dirty="0"/>
+          </a:p>
+        </p:txBody>
+      </p:sp>
+      <p:sp>
+        <p:nvSpPr>
+          <p:cNvPr id="17" name="Rectangle 16"/>
+          <p:cNvSpPr/>
+          <p:nvPr/>
+        </p:nvSpPr>
+        <p:spPr>
+          <a:xfrm>
+            <a:off x="5680414" y="4756995"/>
+            <a:ext cx="1000676" cy="945305"/>
+          </a:xfrm>
+          <a:prstGeom prst="rect">
+            <a:avLst/>
+          </a:prstGeom>
+        </p:spPr>
+        <p:style>
+          <a:lnRef idx="2">
+            <a:schemeClr val="accent1">
+              <a:shade val="50000"/>
+            </a:schemeClr>
+          </a:lnRef>
+          <a:fillRef idx="1">
+            <a:schemeClr val="accent1"/>
+          </a:fillRef>
+          <a:effectRef idx="0">
+            <a:schemeClr val="accent1"/>
+          </a:effectRef>
+          <a:fontRef idx="minor">
+            <a:schemeClr val="lt1"/>
+          </a:fontRef>
+        </p:style>
+        <p:txBody>
+          <a:bodyPr rtlCol="0" anchor="ctr"/>
+          <a:lstStyle/>
+          <a:p>
+            <a:pPr algn="ctr"/>
+            <a:endParaRPr lang="en-GB" sz="900" dirty="0"/>
+          </a:p>
+        </p:txBody>
+      </p:sp>
+      <p:sp>
+        <p:nvSpPr>
+          <p:cNvPr id="18" name="Rectangle 17"/>
+          <p:cNvSpPr/>
+          <p:nvPr/>
+        </p:nvSpPr>
+        <p:spPr>
+          <a:xfrm>
+            <a:off x="2496641" y="1317913"/>
+            <a:ext cx="1000678" cy="373410"/>
+          </a:xfrm>
+          <a:prstGeom prst="rect">
+            <a:avLst/>
+          </a:prstGeom>
+        </p:spPr>
+        <p:style>
+          <a:lnRef idx="2">
+            <a:schemeClr val="accent1"/>
+          </a:lnRef>
+          <a:fillRef idx="1">
+            <a:schemeClr val="lt1"/>
+          </a:fillRef>
+          <a:effectRef idx="0">
+            <a:schemeClr val="accent1"/>
+          </a:effectRef>
+          <a:fontRef idx="minor">
+            <a:schemeClr val="dk1"/>
+          </a:fontRef>
+        </p:style>
+        <p:txBody>
+          <a:bodyPr rtlCol="0" anchor="ctr"/>
+          <a:lstStyle/>
+          <a:p>
+            <a:pPr algn="ctr"/>
+            <a:r>
+              <a:rPr lang="en-GB" sz="900" dirty="0" smtClean="0"/>
+              <a:t>Voltage to Expected RPM</a:t>
+            </a:r>
+            <a:endParaRPr lang="en-GB" sz="900" dirty="0"/>
+          </a:p>
+        </p:txBody>
+      </p:sp>
+      <p:sp>
+        <p:nvSpPr>
+          <p:cNvPr id="19" name="Rectangle 18"/>
+          <p:cNvSpPr/>
+          <p:nvPr/>
+        </p:nvSpPr>
+        <p:spPr>
+          <a:xfrm>
+            <a:off x="1362516" y="1158512"/>
+            <a:ext cx="685418" cy="283162"/>
+          </a:xfrm>
+          <a:prstGeom prst="rect">
+            <a:avLst/>
+          </a:prstGeom>
+        </p:spPr>
+        <p:style>
+          <a:lnRef idx="2">
+            <a:schemeClr val="accent1"/>
+          </a:lnRef>
+          <a:fillRef idx="1">
+            <a:schemeClr val="lt1"/>
+          </a:fillRef>
+          <a:effectRef idx="0">
+            <a:schemeClr val="accent1"/>
+          </a:effectRef>
+          <a:fontRef idx="minor">
+            <a:schemeClr val="dk1"/>
+          </a:fontRef>
+        </p:style>
+        <p:txBody>
+          <a:bodyPr rtlCol="0" anchor="ctr"/>
+          <a:lstStyle/>
+          <a:p>
+            <a:pPr algn="ctr"/>
+            <a:r>
+              <a:rPr lang="en-GB" sz="900" dirty="0" smtClean="0"/>
+              <a:t>Analogue Pin</a:t>
+            </a:r>
+            <a:endParaRPr lang="en-GB" sz="900" dirty="0"/>
+          </a:p>
+        </p:txBody>
+      </p:sp>
+      <p:sp>
+        <p:nvSpPr>
+          <p:cNvPr id="20" name="Rectangle 19"/>
+          <p:cNvSpPr/>
+          <p:nvPr/>
+        </p:nvSpPr>
+        <p:spPr>
+          <a:xfrm>
+            <a:off x="3955961" y="1691321"/>
+            <a:ext cx="1000676" cy="361609"/>
+          </a:xfrm>
+          <a:prstGeom prst="rect">
+            <a:avLst/>
+          </a:prstGeom>
+        </p:spPr>
+        <p:style>
+          <a:lnRef idx="2">
+            <a:schemeClr val="accent1"/>
+          </a:lnRef>
+          <a:fillRef idx="1">
+            <a:schemeClr val="lt1"/>
+          </a:fillRef>
+          <a:effectRef idx="0">
+            <a:schemeClr val="accent1"/>
+          </a:effectRef>
+          <a:fontRef idx="minor">
+            <a:schemeClr val="dk1"/>
+          </a:fontRef>
+        </p:style>
+        <p:txBody>
+          <a:bodyPr rtlCol="0" anchor="ctr"/>
+          <a:lstStyle/>
+          <a:p>
+            <a:pPr algn="ctr"/>
+            <a:r>
+              <a:rPr lang="en-GB" sz="900" dirty="0" smtClean="0"/>
+              <a:t>Error Node</a:t>
+            </a:r>
+            <a:endParaRPr lang="en-GB" sz="900" dirty="0"/>
+          </a:p>
+        </p:txBody>
+      </p:sp>
+      <p:sp>
+        <p:nvSpPr>
+          <p:cNvPr id="21" name="Rectangle 20"/>
+          <p:cNvSpPr/>
+          <p:nvPr/>
+        </p:nvSpPr>
+        <p:spPr>
+          <a:xfrm>
+            <a:off x="5540363" y="951663"/>
+            <a:ext cx="1000678" cy="357202"/>
+          </a:xfrm>
+          <a:prstGeom prst="rect">
+            <a:avLst/>
+          </a:prstGeom>
+        </p:spPr>
+        <p:style>
+          <a:lnRef idx="2">
+            <a:schemeClr val="accent1"/>
+          </a:lnRef>
+          <a:fillRef idx="1">
+            <a:schemeClr val="lt1"/>
+          </a:fillRef>
+          <a:effectRef idx="0">
+            <a:schemeClr val="accent1"/>
+          </a:effectRef>
+          <a:fontRef idx="minor">
+            <a:schemeClr val="dk1"/>
+          </a:fontRef>
+        </p:style>
+        <p:txBody>
+          <a:bodyPr rtlCol="0" anchor="ctr"/>
+          <a:lstStyle/>
+          <a:p>
+            <a:pPr algn="ctr"/>
+            <a:r>
+              <a:rPr lang="en-GB" sz="900" dirty="0" smtClean="0"/>
+              <a:t>PID Controller</a:t>
+            </a:r>
+            <a:endParaRPr lang="en-GB" sz="900" dirty="0"/>
+          </a:p>
+        </p:txBody>
+      </p:sp>
+      <p:sp>
+        <p:nvSpPr>
+          <p:cNvPr id="23" name="Rectangle 22"/>
+          <p:cNvSpPr/>
+          <p:nvPr/>
+        </p:nvSpPr>
+        <p:spPr>
+          <a:xfrm>
+            <a:off x="8955998" y="1851805"/>
+            <a:ext cx="570734" cy="201128"/>
+          </a:xfrm>
+          <a:prstGeom prst="rect">
+            <a:avLst/>
+          </a:prstGeom>
+        </p:spPr>
+        <p:style>
+          <a:lnRef idx="2">
+            <a:schemeClr val="accent1"/>
+          </a:lnRef>
+          <a:fillRef idx="1">
+            <a:schemeClr val="lt1"/>
+          </a:fillRef>
+          <a:effectRef idx="0">
+            <a:schemeClr val="accent1"/>
+          </a:effectRef>
+          <a:fontRef idx="minor">
+            <a:schemeClr val="dk1"/>
+          </a:fontRef>
+        </p:style>
+        <p:txBody>
+          <a:bodyPr rtlCol="0" anchor="ctr"/>
+          <a:lstStyle/>
+          <a:p>
+            <a:pPr algn="ctr"/>
+            <a:r>
+              <a:rPr lang="en-GB" sz="900" dirty="0" smtClean="0"/>
+              <a:t>Polarity</a:t>
+            </a:r>
+            <a:endParaRPr lang="en-GB" sz="900" dirty="0"/>
+          </a:p>
+        </p:txBody>
+      </p:sp>
+      <p:sp>
+        <p:nvSpPr>
+          <p:cNvPr id="24" name="Rectangle 23"/>
+          <p:cNvSpPr/>
+          <p:nvPr/>
+        </p:nvSpPr>
+        <p:spPr>
+          <a:xfrm>
+            <a:off x="8955998" y="2495417"/>
+            <a:ext cx="570734" cy="201128"/>
+          </a:xfrm>
+          <a:prstGeom prst="rect">
+            <a:avLst/>
+          </a:prstGeom>
+        </p:spPr>
+        <p:style>
+          <a:lnRef idx="2">
+            <a:schemeClr val="accent1"/>
+          </a:lnRef>
+          <a:fillRef idx="1">
+            <a:schemeClr val="lt1"/>
+          </a:fillRef>
+          <a:effectRef idx="0">
+            <a:schemeClr val="accent1"/>
+          </a:effectRef>
+          <a:fontRef idx="minor">
+            <a:schemeClr val="dk1"/>
+          </a:fontRef>
+        </p:style>
+        <p:txBody>
+          <a:bodyPr rtlCol="0" anchor="ctr"/>
+          <a:lstStyle/>
+          <a:p>
+            <a:pPr algn="ctr"/>
+            <a:r>
+              <a:rPr lang="en-GB" sz="900" dirty="0" smtClean="0"/>
+              <a:t>PWM</a:t>
+            </a:r>
+            <a:endParaRPr lang="en-GB" sz="900" dirty="0"/>
+          </a:p>
+        </p:txBody>
+      </p:sp>
+      <p:sp>
+        <p:nvSpPr>
+          <p:cNvPr id="26" name="Rectangle 25"/>
+          <p:cNvSpPr/>
+          <p:nvPr/>
+        </p:nvSpPr>
+        <p:spPr>
+          <a:xfrm>
+            <a:off x="10239793" y="1691322"/>
+            <a:ext cx="575201" cy="361609"/>
+          </a:xfrm>
+          <a:prstGeom prst="rect">
+            <a:avLst/>
+          </a:prstGeom>
+        </p:spPr>
+        <p:style>
+          <a:lnRef idx="2">
+            <a:schemeClr val="accent1"/>
+          </a:lnRef>
+          <a:fillRef idx="1">
+            <a:schemeClr val="lt1"/>
+          </a:fillRef>
+          <a:effectRef idx="0">
+            <a:schemeClr val="accent1"/>
+          </a:effectRef>
+          <a:fontRef idx="minor">
+            <a:schemeClr val="dk1"/>
+          </a:fontRef>
+        </p:style>
+        <p:txBody>
+          <a:bodyPr rtlCol="0" anchor="ctr"/>
+          <a:lstStyle/>
+          <a:p>
+            <a:pPr algn="ctr"/>
+            <a:r>
+              <a:rPr lang="en-GB" sz="900" dirty="0" smtClean="0"/>
+              <a:t>PLANT</a:t>
+            </a:r>
+            <a:endParaRPr lang="en-GB" sz="900" dirty="0"/>
+          </a:p>
+        </p:txBody>
+      </p:sp>
+      <p:sp>
+        <p:nvSpPr>
+          <p:cNvPr id="27" name="Rectangle 26"/>
+          <p:cNvSpPr/>
+          <p:nvPr/>
+        </p:nvSpPr>
+        <p:spPr>
+          <a:xfrm>
+            <a:off x="5680413" y="4381128"/>
+            <a:ext cx="1000678" cy="369547"/>
+          </a:xfrm>
+          <a:prstGeom prst="rect">
+            <a:avLst/>
+          </a:prstGeom>
+        </p:spPr>
+        <p:style>
+          <a:lnRef idx="2">
+            <a:schemeClr val="accent1"/>
+          </a:lnRef>
+          <a:fillRef idx="1">
+            <a:schemeClr val="lt1"/>
+          </a:fillRef>
+          <a:effectRef idx="0">
+            <a:schemeClr val="accent1"/>
+          </a:effectRef>
+          <a:fontRef idx="minor">
+            <a:schemeClr val="dk1"/>
+          </a:fontRef>
+        </p:style>
+        <p:txBody>
+          <a:bodyPr rtlCol="0" anchor="ctr"/>
+          <a:lstStyle/>
+          <a:p>
+            <a:pPr algn="ctr"/>
+            <a:r>
+              <a:rPr lang="en-GB" sz="900" dirty="0" smtClean="0"/>
+              <a:t>Speed Calculation</a:t>
+            </a:r>
+            <a:endParaRPr lang="en-GB" sz="900" dirty="0"/>
+          </a:p>
+        </p:txBody>
+      </p:sp>
+      <p:sp>
+        <p:nvSpPr>
+          <p:cNvPr id="28" name="Rectangle 27"/>
+          <p:cNvSpPr/>
+          <p:nvPr/>
+        </p:nvSpPr>
+        <p:spPr>
+          <a:xfrm>
+            <a:off x="7109716" y="4381127"/>
+            <a:ext cx="1000678" cy="369547"/>
+          </a:xfrm>
+          <a:prstGeom prst="rect">
+            <a:avLst/>
+          </a:prstGeom>
+        </p:spPr>
+        <p:style>
+          <a:lnRef idx="2">
+            <a:schemeClr val="accent1"/>
+          </a:lnRef>
+          <a:fillRef idx="1">
+            <a:schemeClr val="lt1"/>
+          </a:fillRef>
+          <a:effectRef idx="0">
+            <a:schemeClr val="accent1"/>
+          </a:effectRef>
+          <a:fontRef idx="minor">
+            <a:schemeClr val="dk1"/>
+          </a:fontRef>
+        </p:style>
+        <p:txBody>
+          <a:bodyPr rtlCol="0" anchor="ctr"/>
+          <a:lstStyle/>
+          <a:p>
+            <a:pPr algn="ctr"/>
+            <a:r>
+              <a:rPr lang="en-GB" sz="900" dirty="0" smtClean="0"/>
+              <a:t>Position Counter</a:t>
+            </a:r>
+            <a:endParaRPr lang="en-GB" sz="900" dirty="0"/>
+          </a:p>
+        </p:txBody>
+      </p:sp>
+      <p:sp>
+        <p:nvSpPr>
+          <p:cNvPr id="29" name="Rectangle 28"/>
+          <p:cNvSpPr/>
+          <p:nvPr/>
+        </p:nvSpPr>
+        <p:spPr>
+          <a:xfrm>
+            <a:off x="9337801" y="4284341"/>
+            <a:ext cx="565853" cy="482082"/>
+          </a:xfrm>
+          <a:prstGeom prst="rect">
+            <a:avLst/>
+          </a:prstGeom>
+        </p:spPr>
+        <p:style>
+          <a:lnRef idx="2">
+            <a:schemeClr val="accent1"/>
+          </a:lnRef>
+          <a:fillRef idx="1">
+            <a:schemeClr val="lt1"/>
+          </a:fillRef>
+          <a:effectRef idx="0">
+            <a:schemeClr val="accent1"/>
+          </a:effectRef>
+          <a:fontRef idx="minor">
+            <a:schemeClr val="dk1"/>
+          </a:fontRef>
+        </p:style>
+        <p:txBody>
+          <a:bodyPr rtlCol="0" anchor="ctr"/>
+          <a:lstStyle/>
+          <a:p>
+            <a:pPr algn="ctr"/>
+            <a:r>
+              <a:rPr lang="en-GB" sz="900" dirty="0" smtClean="0"/>
+              <a:t>Channel A/B Reader</a:t>
+            </a:r>
+            <a:endParaRPr lang="en-GB" sz="900" dirty="0"/>
+          </a:p>
+        </p:txBody>
+      </p:sp>
+      <p:sp>
+        <p:nvSpPr>
+          <p:cNvPr id="30" name="Rectangle 29"/>
+          <p:cNvSpPr/>
+          <p:nvPr/>
+        </p:nvSpPr>
+        <p:spPr>
+          <a:xfrm>
+            <a:off x="9903654" y="4284339"/>
+            <a:ext cx="704243" cy="482083"/>
+          </a:xfrm>
+          <a:prstGeom prst="rect">
+            <a:avLst/>
+          </a:prstGeom>
+        </p:spPr>
+        <p:style>
+          <a:lnRef idx="2">
+            <a:schemeClr val="accent1"/>
+          </a:lnRef>
+          <a:fillRef idx="1">
+            <a:schemeClr val="lt1"/>
+          </a:fillRef>
+          <a:effectRef idx="0">
+            <a:schemeClr val="accent1"/>
+          </a:effectRef>
+          <a:fontRef idx="minor">
+            <a:schemeClr val="dk1"/>
+          </a:fontRef>
+        </p:style>
+        <p:txBody>
+          <a:bodyPr rtlCol="0" anchor="ctr"/>
+          <a:lstStyle/>
+          <a:p>
+            <a:pPr algn="ctr"/>
+            <a:r>
+              <a:rPr lang="en-GB" sz="900" dirty="0" smtClean="0"/>
+              <a:t>Encoder</a:t>
+            </a:r>
+            <a:endParaRPr lang="en-GB" sz="900" dirty="0"/>
+          </a:p>
+        </p:txBody>
+      </p:sp>
+      <p:cxnSp>
+        <p:nvCxnSpPr>
+          <p:cNvPr id="34" name="Straight Arrow Connector 33"/>
+          <p:cNvCxnSpPr>
+            <a:stCxn id="5" idx="3"/>
+          </p:cNvCxnSpPr>
+          <p:nvPr/>
+        </p:nvCxnSpPr>
+        <p:spPr>
+          <a:xfrm>
+            <a:off x="2047934" y="1914331"/>
+            <a:ext cx="448708" cy="0"/>
+          </a:xfrm>
+          <a:prstGeom prst="straightConnector1">
+            <a:avLst/>
+          </a:prstGeom>
+          <a:ln>
+            <a:tailEnd type="triangle"/>
+          </a:ln>
+        </p:spPr>
+        <p:style>
+          <a:lnRef idx="1">
+            <a:schemeClr val="accent1"/>
+          </a:lnRef>
+          <a:fillRef idx="0">
+            <a:schemeClr val="accent1"/>
+          </a:fillRef>
+          <a:effectRef idx="0">
+            <a:schemeClr val="accent1"/>
+          </a:effectRef>
+          <a:fontRef idx="minor">
+            <a:schemeClr val="tx1"/>
+          </a:fontRef>
+        </p:style>
+      </p:cxnSp>
+      <p:cxnSp>
+        <p:nvCxnSpPr>
+          <p:cNvPr id="37" name="Straight Arrow Connector 36"/>
+          <p:cNvCxnSpPr>
+            <a:stCxn id="6" idx="3"/>
+            <a:endCxn id="7" idx="1"/>
+          </p:cNvCxnSpPr>
+          <p:nvPr/>
+        </p:nvCxnSpPr>
+        <p:spPr>
+          <a:xfrm>
+            <a:off x="3497318" y="2525586"/>
+            <a:ext cx="458642" cy="0"/>
+          </a:xfrm>
+          <a:prstGeom prst="straightConnector1">
+            <a:avLst/>
+          </a:prstGeom>
+          <a:ln>
+            <a:tailEnd type="triangle"/>
+          </a:ln>
+        </p:spPr>
+        <p:style>
+          <a:lnRef idx="1">
+            <a:schemeClr val="accent1"/>
+          </a:lnRef>
+          <a:fillRef idx="0">
+            <a:schemeClr val="accent1"/>
+          </a:fillRef>
+          <a:effectRef idx="0">
+            <a:schemeClr val="accent1"/>
+          </a:effectRef>
+          <a:fontRef idx="minor">
+            <a:schemeClr val="tx1"/>
+          </a:fontRef>
+        </p:style>
+      </p:cxnSp>
+      <p:cxnSp>
+        <p:nvCxnSpPr>
+          <p:cNvPr id="40" name="Straight Arrow Connector 39"/>
+          <p:cNvCxnSpPr>
+            <a:stCxn id="7" idx="3"/>
+            <a:endCxn id="8" idx="1"/>
+          </p:cNvCxnSpPr>
+          <p:nvPr/>
+        </p:nvCxnSpPr>
+        <p:spPr>
+          <a:xfrm flipV="1">
+            <a:off x="4956636" y="2520612"/>
+            <a:ext cx="583728" cy="4974"/>
+          </a:xfrm>
+          <a:prstGeom prst="straightConnector1">
+            <a:avLst/>
+          </a:prstGeom>
+          <a:ln>
+            <a:tailEnd type="triangle"/>
+          </a:ln>
+        </p:spPr>
+        <p:style>
+          <a:lnRef idx="1">
+            <a:schemeClr val="accent1"/>
+          </a:lnRef>
+          <a:fillRef idx="0">
+            <a:schemeClr val="accent1"/>
+          </a:fillRef>
+          <a:effectRef idx="0">
+            <a:schemeClr val="accent1"/>
+          </a:effectRef>
+          <a:fontRef idx="minor">
+            <a:schemeClr val="tx1"/>
+          </a:fontRef>
+        </p:style>
+      </p:cxnSp>
+      <p:cxnSp>
+        <p:nvCxnSpPr>
+          <p:cNvPr id="43" name="Straight Arrow Connector 42"/>
+          <p:cNvCxnSpPr>
+            <a:stCxn id="8" idx="3"/>
+            <a:endCxn id="9" idx="1"/>
+          </p:cNvCxnSpPr>
+          <p:nvPr/>
+        </p:nvCxnSpPr>
+        <p:spPr>
+          <a:xfrm>
+            <a:off x="6541040" y="2520612"/>
+            <a:ext cx="500338" cy="4974"/>
+          </a:xfrm>
+          <a:prstGeom prst="straightConnector1">
+            <a:avLst/>
+          </a:prstGeom>
+          <a:ln>
+            <a:tailEnd type="triangle"/>
+          </a:ln>
+        </p:spPr>
+        <p:style>
+          <a:lnRef idx="1">
+            <a:schemeClr val="accent1"/>
+          </a:lnRef>
+          <a:fillRef idx="0">
+            <a:schemeClr val="accent1"/>
+          </a:fillRef>
+          <a:effectRef idx="0">
+            <a:schemeClr val="accent1"/>
+          </a:effectRef>
+          <a:fontRef idx="minor">
+            <a:schemeClr val="tx1"/>
+          </a:fontRef>
+        </p:style>
+      </p:cxnSp>
+      <p:cxnSp>
+        <p:nvCxnSpPr>
+          <p:cNvPr id="46" name="Straight Arrow Connector 45"/>
+          <p:cNvCxnSpPr>
+            <a:endCxn id="10" idx="1"/>
+          </p:cNvCxnSpPr>
+          <p:nvPr/>
+        </p:nvCxnSpPr>
+        <p:spPr>
+          <a:xfrm>
+            <a:off x="7556958" y="2203781"/>
+            <a:ext cx="1399039" cy="0"/>
+          </a:xfrm>
+          <a:prstGeom prst="straightConnector1">
+            <a:avLst/>
+          </a:prstGeom>
+          <a:ln>
+            <a:tailEnd type="triangle"/>
+          </a:ln>
+        </p:spPr>
+        <p:style>
+          <a:lnRef idx="1">
+            <a:schemeClr val="accent1"/>
+          </a:lnRef>
+          <a:fillRef idx="0">
+            <a:schemeClr val="accent1"/>
+          </a:fillRef>
+          <a:effectRef idx="0">
+            <a:schemeClr val="accent1"/>
+          </a:effectRef>
+          <a:fontRef idx="minor">
+            <a:schemeClr val="tx1"/>
+          </a:fontRef>
+        </p:style>
+      </p:cxnSp>
+      <p:cxnSp>
+        <p:nvCxnSpPr>
+          <p:cNvPr id="49" name="Straight Arrow Connector 48"/>
+          <p:cNvCxnSpPr>
+            <a:endCxn id="11" idx="1"/>
+          </p:cNvCxnSpPr>
+          <p:nvPr/>
+        </p:nvCxnSpPr>
+        <p:spPr>
+          <a:xfrm>
+            <a:off x="7523227" y="2847392"/>
+            <a:ext cx="1432770" cy="0"/>
+          </a:xfrm>
+          <a:prstGeom prst="straightConnector1">
+            <a:avLst/>
+          </a:prstGeom>
+          <a:ln>
+            <a:tailEnd type="triangle"/>
+          </a:ln>
+        </p:spPr>
+        <p:style>
+          <a:lnRef idx="1">
+            <a:schemeClr val="accent1"/>
+          </a:lnRef>
+          <a:fillRef idx="0">
+            <a:schemeClr val="accent1"/>
+          </a:fillRef>
+          <a:effectRef idx="0">
+            <a:schemeClr val="accent1"/>
+          </a:effectRef>
+          <a:fontRef idx="minor">
+            <a:schemeClr val="tx1"/>
+          </a:fontRef>
+        </p:style>
+      </p:cxnSp>
+      <p:cxnSp>
+        <p:nvCxnSpPr>
+          <p:cNvPr id="54" name="Straight Arrow Connector 53"/>
+          <p:cNvCxnSpPr>
+            <a:stCxn id="13" idx="3"/>
+          </p:cNvCxnSpPr>
+          <p:nvPr/>
+        </p:nvCxnSpPr>
+        <p:spPr>
+          <a:xfrm>
+            <a:off x="10819657" y="2525586"/>
+            <a:ext cx="781694" cy="0"/>
+          </a:xfrm>
+          <a:prstGeom prst="straightConnector1">
+            <a:avLst/>
+          </a:prstGeom>
+          <a:ln>
+            <a:tailEnd type="triangle"/>
+          </a:ln>
+        </p:spPr>
+        <p:style>
+          <a:lnRef idx="1">
+            <a:schemeClr val="accent1"/>
+          </a:lnRef>
+          <a:fillRef idx="0">
+            <a:schemeClr val="accent1"/>
+          </a:fillRef>
+          <a:effectRef idx="0">
+            <a:schemeClr val="accent1"/>
+          </a:effectRef>
+          <a:fontRef idx="minor">
+            <a:schemeClr val="tx1"/>
+          </a:fontRef>
+        </p:style>
+      </p:cxnSp>
+      <p:cxnSp>
+        <p:nvCxnSpPr>
+          <p:cNvPr id="61" name="Elbow Connector 60"/>
+          <p:cNvCxnSpPr>
+            <a:stCxn id="13" idx="3"/>
+            <a:endCxn id="14" idx="3"/>
+          </p:cNvCxnSpPr>
+          <p:nvPr/>
+        </p:nvCxnSpPr>
+        <p:spPr>
+          <a:xfrm flipH="1">
+            <a:off x="10607897" y="2525586"/>
+            <a:ext cx="211760" cy="2704062"/>
+          </a:xfrm>
+          <a:prstGeom prst="bentConnector3">
+            <a:avLst>
+              <a:gd name="adj1" fmla="val -107952"/>
+            </a:avLst>
+          </a:prstGeom>
+          <a:ln>
+            <a:tailEnd type="triangle"/>
+          </a:ln>
+        </p:spPr>
+        <p:style>
+          <a:lnRef idx="1">
+            <a:schemeClr val="accent1"/>
+          </a:lnRef>
+          <a:fillRef idx="0">
+            <a:schemeClr val="accent1"/>
+          </a:fillRef>
+          <a:effectRef idx="0">
+            <a:schemeClr val="accent1"/>
+          </a:effectRef>
+          <a:fontRef idx="minor">
+            <a:schemeClr val="tx1"/>
+          </a:fontRef>
+        </p:style>
+      </p:cxnSp>
+      <p:cxnSp>
+        <p:nvCxnSpPr>
+          <p:cNvPr id="65" name="Straight Arrow Connector 64"/>
+          <p:cNvCxnSpPr>
+            <a:stCxn id="15" idx="1"/>
+            <a:endCxn id="16" idx="3"/>
+          </p:cNvCxnSpPr>
+          <p:nvPr/>
+        </p:nvCxnSpPr>
+        <p:spPr>
+          <a:xfrm flipH="1">
+            <a:off x="8110393" y="5229648"/>
+            <a:ext cx="1227409" cy="0"/>
+          </a:xfrm>
+          <a:prstGeom prst="straightConnector1">
+            <a:avLst/>
+          </a:prstGeom>
+          <a:ln>
+            <a:tailEnd type="triangle"/>
+          </a:ln>
+        </p:spPr>
+        <p:style>
+          <a:lnRef idx="1">
+            <a:schemeClr val="accent1"/>
+          </a:lnRef>
+          <a:fillRef idx="0">
+            <a:schemeClr val="accent1"/>
+          </a:fillRef>
+          <a:effectRef idx="0">
+            <a:schemeClr val="accent1"/>
+          </a:effectRef>
+          <a:fontRef idx="minor">
+            <a:schemeClr val="tx1"/>
+          </a:fontRef>
+        </p:style>
+      </p:cxnSp>
+      <p:cxnSp>
+        <p:nvCxnSpPr>
+          <p:cNvPr id="69" name="Straight Arrow Connector 68"/>
+          <p:cNvCxnSpPr>
+            <a:stCxn id="16" idx="1"/>
+            <a:endCxn id="17" idx="3"/>
+          </p:cNvCxnSpPr>
+          <p:nvPr/>
+        </p:nvCxnSpPr>
+        <p:spPr>
+          <a:xfrm flipH="1">
+            <a:off x="6681090" y="5229648"/>
+            <a:ext cx="428627" cy="0"/>
+          </a:xfrm>
+          <a:prstGeom prst="straightConnector1">
+            <a:avLst/>
+          </a:prstGeom>
+          <a:ln>
+            <a:tailEnd type="triangle"/>
+          </a:ln>
+        </p:spPr>
+        <p:style>
+          <a:lnRef idx="1">
+            <a:schemeClr val="accent1"/>
+          </a:lnRef>
+          <a:fillRef idx="0">
+            <a:schemeClr val="accent1"/>
+          </a:fillRef>
+          <a:effectRef idx="0">
+            <a:schemeClr val="accent1"/>
+          </a:effectRef>
+          <a:fontRef idx="minor">
+            <a:schemeClr val="tx1"/>
+          </a:fontRef>
+        </p:style>
+      </p:cxnSp>
+      <p:cxnSp>
+        <p:nvCxnSpPr>
+          <p:cNvPr id="74" name="Elbow Connector 73"/>
+          <p:cNvCxnSpPr>
+            <a:stCxn id="17" idx="1"/>
+            <a:endCxn id="7" idx="2"/>
+          </p:cNvCxnSpPr>
+          <p:nvPr/>
+        </p:nvCxnSpPr>
+        <p:spPr>
+          <a:xfrm rot="10800000">
+            <a:off x="4456298" y="2998238"/>
+            <a:ext cx="1224116" cy="2231410"/>
+          </a:xfrm>
+          <a:prstGeom prst="bentConnector2">
+            <a:avLst/>
+          </a:prstGeom>
+          <a:ln>
+            <a:tailEnd type="triangle"/>
+          </a:ln>
+        </p:spPr>
+        <p:style>
+          <a:lnRef idx="1">
+            <a:schemeClr val="accent1"/>
+          </a:lnRef>
+          <a:fillRef idx="0">
+            <a:schemeClr val="accent1"/>
+          </a:fillRef>
+          <a:effectRef idx="0">
+            <a:schemeClr val="accent1"/>
+          </a:effectRef>
+          <a:fontRef idx="minor">
+            <a:schemeClr val="tx1"/>
+          </a:fontRef>
+        </p:style>
+      </p:cxnSp>
+      <p:sp>
+        <p:nvSpPr>
+          <p:cNvPr id="77" name="Rectangle 76"/>
+          <p:cNvSpPr/>
+          <p:nvPr/>
+        </p:nvSpPr>
+        <p:spPr>
+          <a:xfrm>
+            <a:off x="11289235" y="2213883"/>
+            <a:ext cx="623365" cy="563067"/>
+          </a:xfrm>
+          <a:prstGeom prst="rect">
+            <a:avLst/>
+          </a:prstGeom>
+        </p:spPr>
+        <p:style>
+          <a:lnRef idx="2">
+            <a:schemeClr val="accent1"/>
+          </a:lnRef>
+          <a:fillRef idx="1">
+            <a:schemeClr val="lt1"/>
+          </a:fillRef>
+          <a:effectRef idx="0">
+            <a:schemeClr val="accent1"/>
+          </a:effectRef>
+          <a:fontRef idx="minor">
+            <a:schemeClr val="dk1"/>
+          </a:fontRef>
+        </p:style>
+        <p:txBody>
+          <a:bodyPr rtlCol="0" anchor="ctr"/>
+          <a:lstStyle/>
+          <a:p>
+            <a:pPr algn="ctr"/>
+            <a:r>
+              <a:rPr lang="en-GB" sz="900" dirty="0" smtClean="0"/>
+              <a:t>RPM</a:t>
+            </a:r>
+            <a:endParaRPr lang="en-GB" sz="900" dirty="0"/>
+          </a:p>
+        </p:txBody>
+      </p:sp>
+      <p:sp>
+        <p:nvSpPr>
+          <p:cNvPr id="80" name="Rectangle 79"/>
+          <p:cNvSpPr/>
+          <p:nvPr/>
+        </p:nvSpPr>
+        <p:spPr>
+          <a:xfrm>
+            <a:off x="398883" y="1158514"/>
+            <a:ext cx="965213" cy="283162"/>
+          </a:xfrm>
+          <a:prstGeom prst="rect">
+            <a:avLst/>
+          </a:prstGeom>
+        </p:spPr>
+        <p:style>
+          <a:lnRef idx="2">
+            <a:schemeClr val="accent1"/>
+          </a:lnRef>
+          <a:fillRef idx="1">
+            <a:schemeClr val="lt1"/>
+          </a:fillRef>
+          <a:effectRef idx="0">
+            <a:schemeClr val="accent1"/>
+          </a:effectRef>
+          <a:fontRef idx="minor">
+            <a:schemeClr val="dk1"/>
+          </a:fontRef>
+        </p:style>
+        <p:txBody>
+          <a:bodyPr rtlCol="0" anchor="ctr"/>
+          <a:lstStyle/>
+          <a:p>
+            <a:pPr algn="ctr"/>
+            <a:r>
+              <a:rPr lang="en-GB" sz="900" dirty="0" smtClean="0"/>
+              <a:t>Potentiometer</a:t>
+            </a:r>
+            <a:endParaRPr lang="en-GB" sz="900" dirty="0"/>
+          </a:p>
+        </p:txBody>
+      </p:sp>
+      <p:sp>
+        <p:nvSpPr>
+          <p:cNvPr id="82" name="Rectangle 81"/>
+          <p:cNvSpPr/>
+          <p:nvPr/>
+        </p:nvSpPr>
+        <p:spPr>
+          <a:xfrm>
+            <a:off x="3938539" y="3950588"/>
+            <a:ext cx="469663" cy="543890"/>
+          </a:xfrm>
+          <a:prstGeom prst="rect">
+            <a:avLst/>
+          </a:prstGeom>
+        </p:spPr>
+        <p:style>
+          <a:lnRef idx="2">
+            <a:schemeClr val="accent1"/>
+          </a:lnRef>
+          <a:fillRef idx="1">
+            <a:schemeClr val="lt1"/>
+          </a:fillRef>
+          <a:effectRef idx="0">
+            <a:schemeClr val="accent1"/>
+          </a:effectRef>
+          <a:fontRef idx="minor">
+            <a:schemeClr val="dk1"/>
+          </a:fontRef>
+        </p:style>
+        <p:txBody>
+          <a:bodyPr rtlCol="0" anchor="ctr"/>
+          <a:lstStyle/>
+          <a:p>
+            <a:pPr algn="ctr"/>
+            <a:r>
+              <a:rPr lang="en-GB" sz="900" dirty="0" smtClean="0"/>
+              <a:t>Prior Error</a:t>
+            </a:r>
+            <a:endParaRPr lang="en-GB" sz="900" dirty="0"/>
+          </a:p>
+        </p:txBody>
+      </p:sp>
+      <p:sp>
+        <p:nvSpPr>
+          <p:cNvPr id="85" name="Rectangle 84"/>
+          <p:cNvSpPr/>
+          <p:nvPr/>
+        </p:nvSpPr>
+        <p:spPr>
+          <a:xfrm>
+            <a:off x="5590210" y="3430888"/>
+            <a:ext cx="871046" cy="237469"/>
+          </a:xfrm>
+          <a:prstGeom prst="rect">
+            <a:avLst/>
+          </a:prstGeom>
+        </p:spPr>
+        <p:style>
+          <a:lnRef idx="2">
+            <a:schemeClr val="accent1"/>
+          </a:lnRef>
+          <a:fillRef idx="1">
+            <a:schemeClr val="lt1"/>
+          </a:fillRef>
+          <a:effectRef idx="0">
+            <a:schemeClr val="accent1"/>
+          </a:effectRef>
+          <a:fontRef idx="minor">
+            <a:schemeClr val="dk1"/>
+          </a:fontRef>
+        </p:style>
+        <p:txBody>
+          <a:bodyPr rtlCol="0" anchor="ctr"/>
+          <a:lstStyle/>
+          <a:p>
+            <a:pPr algn="ctr"/>
+            <a:r>
+              <a:rPr lang="en-GB" sz="900" dirty="0" smtClean="0"/>
+              <a:t>Error Store</a:t>
+            </a:r>
+            <a:endParaRPr lang="en-GB" sz="900" dirty="0"/>
+          </a:p>
+        </p:txBody>
+      </p:sp>
+      <p:sp>
+        <p:nvSpPr>
+          <p:cNvPr id="86" name="Rectangle 85"/>
+          <p:cNvSpPr/>
+          <p:nvPr/>
+        </p:nvSpPr>
+        <p:spPr>
+          <a:xfrm>
+            <a:off x="5798607" y="1912252"/>
+            <a:ext cx="229338" cy="237469"/>
+          </a:xfrm>
+          <a:prstGeom prst="rect">
+            <a:avLst/>
+          </a:prstGeom>
+        </p:spPr>
+        <p:style>
+          <a:lnRef idx="2">
+            <a:schemeClr val="accent1"/>
+          </a:lnRef>
+          <a:fillRef idx="1">
+            <a:schemeClr val="lt1"/>
+          </a:fillRef>
+          <a:effectRef idx="0">
+            <a:schemeClr val="accent1"/>
+          </a:effectRef>
+          <a:fontRef idx="minor">
+            <a:schemeClr val="dk1"/>
+          </a:fontRef>
+        </p:style>
+        <p:txBody>
+          <a:bodyPr rtlCol="0" anchor="ctr"/>
+          <a:lstStyle/>
+          <a:p>
+            <a:pPr algn="ctr"/>
+            <a:r>
+              <a:rPr lang="en-GB" sz="900" dirty="0" smtClean="0"/>
+              <a:t>P</a:t>
+            </a:r>
+            <a:endParaRPr lang="en-GB" sz="900" dirty="0"/>
+          </a:p>
+        </p:txBody>
+      </p:sp>
+      <p:sp>
+        <p:nvSpPr>
+          <p:cNvPr id="87" name="Rectangle 86"/>
+          <p:cNvSpPr/>
+          <p:nvPr/>
+        </p:nvSpPr>
+        <p:spPr>
+          <a:xfrm>
+            <a:off x="5798607" y="2401132"/>
+            <a:ext cx="229338" cy="237469"/>
+          </a:xfrm>
+          <a:prstGeom prst="rect">
+            <a:avLst/>
+          </a:prstGeom>
+        </p:spPr>
+        <p:style>
+          <a:lnRef idx="2">
+            <a:schemeClr val="accent1"/>
+          </a:lnRef>
+          <a:fillRef idx="1">
+            <a:schemeClr val="lt1"/>
+          </a:fillRef>
+          <a:effectRef idx="0">
+            <a:schemeClr val="accent1"/>
+          </a:effectRef>
+          <a:fontRef idx="minor">
+            <a:schemeClr val="dk1"/>
+          </a:fontRef>
+        </p:style>
+        <p:txBody>
+          <a:bodyPr rtlCol="0" anchor="ctr"/>
+          <a:lstStyle/>
+          <a:p>
+            <a:pPr algn="ctr"/>
+            <a:r>
+              <a:rPr lang="en-GB" sz="900" dirty="0" smtClean="0"/>
+              <a:t>I</a:t>
+            </a:r>
+            <a:endParaRPr lang="en-GB" sz="900" dirty="0"/>
+          </a:p>
+        </p:txBody>
+      </p:sp>
+      <p:sp>
+        <p:nvSpPr>
+          <p:cNvPr id="88" name="Rectangle 87"/>
+          <p:cNvSpPr/>
+          <p:nvPr/>
+        </p:nvSpPr>
+        <p:spPr>
+          <a:xfrm>
+            <a:off x="5798607" y="2826269"/>
+            <a:ext cx="229338" cy="237469"/>
+          </a:xfrm>
+          <a:prstGeom prst="rect">
+            <a:avLst/>
+          </a:prstGeom>
+        </p:spPr>
+        <p:style>
+          <a:lnRef idx="2">
+            <a:schemeClr val="accent1"/>
+          </a:lnRef>
+          <a:fillRef idx="1">
+            <a:schemeClr val="lt1"/>
+          </a:fillRef>
+          <a:effectRef idx="0">
+            <a:schemeClr val="accent1"/>
+          </a:effectRef>
+          <a:fontRef idx="minor">
+            <a:schemeClr val="dk1"/>
+          </a:fontRef>
+        </p:style>
+        <p:txBody>
+          <a:bodyPr rtlCol="0" anchor="ctr"/>
+          <a:lstStyle/>
+          <a:p>
+            <a:pPr algn="ctr"/>
+            <a:r>
+              <a:rPr lang="en-GB" sz="900" dirty="0" smtClean="0"/>
+              <a:t>D</a:t>
+            </a:r>
+          </a:p>
+        </p:txBody>
+      </p:sp>
+      <p:sp>
+        <p:nvSpPr>
+          <p:cNvPr id="89" name="Oval 88"/>
+          <p:cNvSpPr/>
+          <p:nvPr/>
+        </p:nvSpPr>
+        <p:spPr>
+          <a:xfrm>
+            <a:off x="6226052" y="2401132"/>
+            <a:ext cx="229338" cy="237469"/>
+          </a:xfrm>
+          <a:prstGeom prst="ellipse">
+            <a:avLst/>
+          </a:prstGeom>
+        </p:spPr>
+        <p:style>
+          <a:lnRef idx="2">
+            <a:schemeClr val="accent1"/>
+          </a:lnRef>
+          <a:fillRef idx="1">
+            <a:schemeClr val="lt1"/>
+          </a:fillRef>
+          <a:effectRef idx="0">
+            <a:schemeClr val="accent1"/>
+          </a:effectRef>
+          <a:fontRef idx="minor">
+            <a:schemeClr val="dk1"/>
+          </a:fontRef>
+        </p:style>
+        <p:txBody>
+          <a:bodyPr rtlCol="0" anchor="ctr"/>
+          <a:lstStyle/>
+          <a:p>
+            <a:pPr algn="ctr"/>
+            <a:r>
+              <a:rPr lang="en-GB" sz="900" dirty="0"/>
+              <a:t>+</a:t>
+            </a:r>
+          </a:p>
+        </p:txBody>
+      </p:sp>
       <p:grpSp>
         <p:nvGrpSpPr>
-          <p:cNvPr id="2" name="Group 1"/>
+          <p:cNvPr id="112" name="Group 111"/>
           <p:cNvGrpSpPr/>
           <p:nvPr/>
         </p:nvGrpSpPr>
         <p:grpSpPr>
           <a:xfrm>
-            <a:off x="398883" y="558799"/>
-            <a:ext cx="11513717" cy="5143501"/>
-            <a:chOff x="398883" y="558799"/>
-            <a:chExt cx="11513717" cy="5143501"/>
+            <a:off x="586640" y="1619727"/>
+            <a:ext cx="577768" cy="577768"/>
+            <a:chOff x="586640" y="2230982"/>
+            <a:chExt cx="577768" cy="577768"/>
           </a:xfrm>
         </p:grpSpPr>
         <p:sp>
           <p:nvSpPr>
-            <p:cNvPr id="4" name="Rectangle 3"/>
+            <p:cNvPr id="98" name="Oval 97"/>
             <p:cNvSpPr/>
             <p:nvPr/>
           </p:nvSpPr>
           <p:spPr>
             <a:xfrm>
-              <a:off x="401753" y="2052933"/>
-              <a:ext cx="960761" cy="945305"/>
+              <a:off x="586640" y="2230982"/>
+              <a:ext cx="577768" cy="577768"/>
             </a:xfrm>
-            <a:prstGeom prst="rect">
+            <a:prstGeom prst="ellipse">
               <a:avLst/>
             </a:prstGeom>
+            <a:ln>
+              <a:solidFill>
+                <a:schemeClr val="tx1"/>
+              </a:solidFill>
+            </a:ln>
           </p:spPr>
           <p:style>
             <a:lnRef idx="2">
-              <a:schemeClr val="accent2">
+              <a:schemeClr val="accent3">
                 <a:shade val="50000"/>
               </a:schemeClr>
             </a:lnRef>
             <a:fillRef idx="1">
-              <a:schemeClr val="accent2"/>
+              <a:schemeClr val="accent3"/>
             </a:fillRef>
             <a:effectRef idx="0">
-              <a:schemeClr val="accent2"/>
+              <a:schemeClr val="accent3"/>
             </a:effectRef>
             <a:fontRef idx="minor">
               <a:schemeClr val="lt1"/>
@@ -3020,1095 +4744,30 @@
             <a:lstStyle/>
             <a:p>
               <a:pPr algn="ctr"/>
-              <a:endParaRPr lang="en-GB" sz="900" dirty="0"/>
-            </a:p>
-          </p:txBody>
-        </p:sp>
-        <p:sp>
-          <p:nvSpPr>
-            <p:cNvPr id="5" name="Rectangle 4"/>
-            <p:cNvSpPr/>
-            <p:nvPr/>
-          </p:nvSpPr>
-          <p:spPr>
-            <a:xfrm>
-              <a:off x="1362515" y="2052933"/>
-              <a:ext cx="685420" cy="945305"/>
-            </a:xfrm>
-            <a:prstGeom prst="rect">
-              <a:avLst/>
-            </a:prstGeom>
-          </p:spPr>
-          <p:style>
-            <a:lnRef idx="2">
-              <a:schemeClr val="accent6">
-                <a:shade val="50000"/>
-              </a:schemeClr>
-            </a:lnRef>
-            <a:fillRef idx="1">
-              <a:schemeClr val="accent6"/>
-            </a:fillRef>
-            <a:effectRef idx="0">
-              <a:schemeClr val="accent6"/>
-            </a:effectRef>
-            <a:fontRef idx="minor">
-              <a:schemeClr val="lt1"/>
-            </a:fontRef>
-          </p:style>
-          <p:txBody>
-            <a:bodyPr rtlCol="0" anchor="ctr"/>
-            <a:lstStyle/>
-            <a:p>
-              <a:pPr algn="ctr"/>
-              <a:endParaRPr lang="en-GB" sz="900" dirty="0"/>
-            </a:p>
-          </p:txBody>
-        </p:sp>
-        <p:sp>
-          <p:nvSpPr>
-            <p:cNvPr id="6" name="Rectangle 5"/>
-            <p:cNvSpPr/>
-            <p:nvPr/>
-          </p:nvSpPr>
-          <p:spPr>
-            <a:xfrm>
-              <a:off x="2496642" y="2052933"/>
-              <a:ext cx="1000676" cy="945305"/>
-            </a:xfrm>
-            <a:prstGeom prst="rect">
-              <a:avLst/>
-            </a:prstGeom>
-          </p:spPr>
-          <p:style>
-            <a:lnRef idx="2">
-              <a:schemeClr val="accent1">
-                <a:shade val="50000"/>
-              </a:schemeClr>
-            </a:lnRef>
-            <a:fillRef idx="1">
-              <a:schemeClr val="accent1"/>
-            </a:fillRef>
-            <a:effectRef idx="0">
-              <a:schemeClr val="accent1"/>
-            </a:effectRef>
-            <a:fontRef idx="minor">
-              <a:schemeClr val="lt1"/>
-            </a:fontRef>
-          </p:style>
-          <p:txBody>
-            <a:bodyPr rtlCol="0" anchor="ctr"/>
-            <a:lstStyle/>
-            <a:p>
-              <a:pPr algn="ctr"/>
-              <a:endParaRPr lang="en-GB" sz="900" dirty="0"/>
-            </a:p>
-          </p:txBody>
-        </p:sp>
-        <p:sp>
-          <p:nvSpPr>
-            <p:cNvPr id="7" name="Rectangle 6"/>
-            <p:cNvSpPr/>
-            <p:nvPr/>
-          </p:nvSpPr>
-          <p:spPr>
-            <a:xfrm>
-              <a:off x="3955960" y="2052933"/>
-              <a:ext cx="1000676" cy="945305"/>
-            </a:xfrm>
-            <a:prstGeom prst="rect">
-              <a:avLst/>
-            </a:prstGeom>
-          </p:spPr>
-          <p:style>
-            <a:lnRef idx="2">
-              <a:schemeClr val="accent1">
-                <a:shade val="50000"/>
-              </a:schemeClr>
-            </a:lnRef>
-            <a:fillRef idx="1">
-              <a:schemeClr val="accent1"/>
-            </a:fillRef>
-            <a:effectRef idx="0">
-              <a:schemeClr val="accent1"/>
-            </a:effectRef>
-            <a:fontRef idx="minor">
-              <a:schemeClr val="lt1"/>
-            </a:fontRef>
-          </p:style>
-          <p:txBody>
-            <a:bodyPr rtlCol="0" anchor="ctr"/>
-            <a:lstStyle/>
-            <a:p>
-              <a:pPr algn="ctr"/>
-              <a:endParaRPr lang="en-GB" sz="900" dirty="0"/>
-            </a:p>
-          </p:txBody>
-        </p:sp>
-        <p:sp>
-          <p:nvSpPr>
-            <p:cNvPr id="8" name="Rectangle 7"/>
-            <p:cNvSpPr/>
-            <p:nvPr/>
-          </p:nvSpPr>
-          <p:spPr>
-            <a:xfrm>
-              <a:off x="5540364" y="1318813"/>
-              <a:ext cx="1000676" cy="2413545"/>
-            </a:xfrm>
-            <a:prstGeom prst="rect">
-              <a:avLst/>
-            </a:prstGeom>
-          </p:spPr>
-          <p:style>
-            <a:lnRef idx="2">
-              <a:schemeClr val="accent1">
-                <a:shade val="50000"/>
-              </a:schemeClr>
-            </a:lnRef>
-            <a:fillRef idx="1">
-              <a:schemeClr val="accent1"/>
-            </a:fillRef>
-            <a:effectRef idx="0">
-              <a:schemeClr val="accent1"/>
-            </a:effectRef>
-            <a:fontRef idx="minor">
-              <a:schemeClr val="lt1"/>
-            </a:fontRef>
-          </p:style>
-          <p:txBody>
-            <a:bodyPr rtlCol="0" anchor="ctr"/>
-            <a:lstStyle/>
-            <a:p>
-              <a:pPr algn="ctr"/>
-              <a:endParaRPr lang="en-GB" sz="900" dirty="0"/>
-            </a:p>
-          </p:txBody>
-        </p:sp>
-        <p:sp>
-          <p:nvSpPr>
-            <p:cNvPr id="9" name="Rectangle 8"/>
-            <p:cNvSpPr/>
-            <p:nvPr/>
-          </p:nvSpPr>
-          <p:spPr>
-            <a:xfrm>
-              <a:off x="7041378" y="2052933"/>
-              <a:ext cx="1000676" cy="945305"/>
-            </a:xfrm>
-            <a:prstGeom prst="rect">
-              <a:avLst/>
-            </a:prstGeom>
-          </p:spPr>
-          <p:style>
-            <a:lnRef idx="2">
-              <a:schemeClr val="accent1">
-                <a:shade val="50000"/>
-              </a:schemeClr>
-            </a:lnRef>
-            <a:fillRef idx="1">
-              <a:schemeClr val="accent1"/>
-            </a:fillRef>
-            <a:effectRef idx="0">
-              <a:schemeClr val="accent1"/>
-            </a:effectRef>
-            <a:fontRef idx="minor">
-              <a:schemeClr val="lt1"/>
-            </a:fontRef>
-          </p:style>
-          <p:txBody>
-            <a:bodyPr rtlCol="0" anchor="ctr"/>
-            <a:lstStyle/>
-            <a:p>
-              <a:pPr algn="ctr"/>
-              <a:endParaRPr lang="en-GB" sz="900" dirty="0"/>
-            </a:p>
-          </p:txBody>
-        </p:sp>
-        <p:sp>
-          <p:nvSpPr>
-            <p:cNvPr id="10" name="Rectangle 9"/>
-            <p:cNvSpPr/>
-            <p:nvPr/>
-          </p:nvSpPr>
-          <p:spPr>
-            <a:xfrm>
-              <a:off x="8972333" y="2052934"/>
-              <a:ext cx="570733" cy="301693"/>
-            </a:xfrm>
-            <a:prstGeom prst="rect">
-              <a:avLst/>
-            </a:prstGeom>
-          </p:spPr>
-          <p:style>
-            <a:lnRef idx="2">
-              <a:schemeClr val="accent6">
-                <a:shade val="50000"/>
-              </a:schemeClr>
-            </a:lnRef>
-            <a:fillRef idx="1">
-              <a:schemeClr val="accent6"/>
-            </a:fillRef>
-            <a:effectRef idx="0">
-              <a:schemeClr val="accent6"/>
-            </a:effectRef>
-            <a:fontRef idx="minor">
-              <a:schemeClr val="lt1"/>
-            </a:fontRef>
-          </p:style>
-          <p:txBody>
-            <a:bodyPr rtlCol="0" anchor="ctr"/>
-            <a:lstStyle/>
-            <a:p>
-              <a:pPr algn="ctr"/>
-              <a:endParaRPr lang="en-GB" sz="900" dirty="0"/>
-            </a:p>
-          </p:txBody>
-        </p:sp>
-        <p:sp>
-          <p:nvSpPr>
-            <p:cNvPr id="11" name="Rectangle 10"/>
-            <p:cNvSpPr/>
-            <p:nvPr/>
-          </p:nvSpPr>
-          <p:spPr>
-            <a:xfrm>
-              <a:off x="8972333" y="2696545"/>
-              <a:ext cx="570733" cy="301693"/>
-            </a:xfrm>
-            <a:prstGeom prst="rect">
-              <a:avLst/>
-            </a:prstGeom>
-          </p:spPr>
-          <p:style>
-            <a:lnRef idx="2">
-              <a:schemeClr val="accent6">
-                <a:shade val="50000"/>
-              </a:schemeClr>
-            </a:lnRef>
-            <a:fillRef idx="1">
-              <a:schemeClr val="accent6"/>
-            </a:fillRef>
-            <a:effectRef idx="0">
-              <a:schemeClr val="accent6"/>
-            </a:effectRef>
-            <a:fontRef idx="minor">
-              <a:schemeClr val="lt1"/>
-            </a:fontRef>
-          </p:style>
-          <p:txBody>
-            <a:bodyPr rtlCol="0" anchor="ctr"/>
-            <a:lstStyle/>
-            <a:p>
-              <a:pPr algn="ctr"/>
-              <a:endParaRPr lang="en-GB" sz="900" dirty="0"/>
-            </a:p>
-          </p:txBody>
-        </p:sp>
-        <p:sp>
-          <p:nvSpPr>
-            <p:cNvPr id="12" name="Rectangle 11"/>
-            <p:cNvSpPr/>
-            <p:nvPr/>
-          </p:nvSpPr>
-          <p:spPr>
-            <a:xfrm>
-              <a:off x="9551371" y="2052933"/>
-              <a:ext cx="352283" cy="945305"/>
-            </a:xfrm>
-            <a:prstGeom prst="rect">
-              <a:avLst/>
-            </a:prstGeom>
-          </p:spPr>
-          <p:style>
-            <a:lnRef idx="2">
-              <a:schemeClr val="accent2">
-                <a:shade val="50000"/>
-              </a:schemeClr>
-            </a:lnRef>
-            <a:fillRef idx="1">
-              <a:schemeClr val="accent2"/>
-            </a:fillRef>
-            <a:effectRef idx="0">
-              <a:schemeClr val="accent2"/>
-            </a:effectRef>
-            <a:fontRef idx="minor">
-              <a:schemeClr val="lt1"/>
-            </a:fontRef>
-          </p:style>
-          <p:txBody>
-            <a:bodyPr rtlCol="0" anchor="ctr"/>
-            <a:lstStyle/>
-            <a:p>
-              <a:pPr algn="ctr"/>
-              <a:endParaRPr lang="en-GB" sz="900" dirty="0"/>
-            </a:p>
-          </p:txBody>
-        </p:sp>
-        <p:sp>
-          <p:nvSpPr>
-            <p:cNvPr id="13" name="Rectangle 12"/>
-            <p:cNvSpPr/>
-            <p:nvPr/>
-          </p:nvSpPr>
-          <p:spPr>
-            <a:xfrm>
-              <a:off x="9903655" y="2052933"/>
-              <a:ext cx="1000676" cy="945305"/>
-            </a:xfrm>
-            <a:prstGeom prst="rect">
-              <a:avLst/>
-            </a:prstGeom>
-          </p:spPr>
-          <p:style>
-            <a:lnRef idx="2">
-              <a:schemeClr val="accent2">
-                <a:shade val="50000"/>
-              </a:schemeClr>
-            </a:lnRef>
-            <a:fillRef idx="1">
-              <a:schemeClr val="accent2"/>
-            </a:fillRef>
-            <a:effectRef idx="0">
-              <a:schemeClr val="accent2"/>
-            </a:effectRef>
-            <a:fontRef idx="minor">
-              <a:schemeClr val="lt1"/>
-            </a:fontRef>
-          </p:style>
-          <p:txBody>
-            <a:bodyPr rtlCol="0" anchor="ctr"/>
-            <a:lstStyle/>
-            <a:p>
-              <a:pPr algn="ctr"/>
-              <a:endParaRPr lang="en-GB" sz="900" dirty="0"/>
-            </a:p>
-          </p:txBody>
-        </p:sp>
-        <p:sp>
-          <p:nvSpPr>
-            <p:cNvPr id="14" name="Rectangle 13"/>
-            <p:cNvSpPr/>
-            <p:nvPr/>
-          </p:nvSpPr>
-          <p:spPr>
-            <a:xfrm>
-              <a:off x="9903655" y="4756995"/>
-              <a:ext cx="704242" cy="945305"/>
-            </a:xfrm>
-            <a:prstGeom prst="rect">
-              <a:avLst/>
-            </a:prstGeom>
-          </p:spPr>
-          <p:style>
-            <a:lnRef idx="2">
-              <a:schemeClr val="accent2">
-                <a:shade val="50000"/>
-              </a:schemeClr>
-            </a:lnRef>
-            <a:fillRef idx="1">
-              <a:schemeClr val="accent2"/>
-            </a:fillRef>
-            <a:effectRef idx="0">
-              <a:schemeClr val="accent2"/>
-            </a:effectRef>
-            <a:fontRef idx="minor">
-              <a:schemeClr val="lt1"/>
-            </a:fontRef>
-          </p:style>
-          <p:txBody>
-            <a:bodyPr rtlCol="0" anchor="ctr"/>
-            <a:lstStyle/>
-            <a:p>
-              <a:pPr algn="ctr"/>
-              <a:endParaRPr lang="en-GB" sz="900" dirty="0"/>
-            </a:p>
-          </p:txBody>
-        </p:sp>
-        <p:sp>
-          <p:nvSpPr>
-            <p:cNvPr id="15" name="Rectangle 14"/>
-            <p:cNvSpPr/>
-            <p:nvPr/>
-          </p:nvSpPr>
-          <p:spPr>
-            <a:xfrm>
-              <a:off x="9337802" y="4756995"/>
-              <a:ext cx="565852" cy="945305"/>
-            </a:xfrm>
-            <a:prstGeom prst="rect">
-              <a:avLst/>
-            </a:prstGeom>
-          </p:spPr>
-          <p:style>
-            <a:lnRef idx="2">
-              <a:schemeClr val="accent6">
-                <a:shade val="50000"/>
-              </a:schemeClr>
-            </a:lnRef>
-            <a:fillRef idx="1">
-              <a:schemeClr val="accent6"/>
-            </a:fillRef>
-            <a:effectRef idx="0">
-              <a:schemeClr val="accent6"/>
-            </a:effectRef>
-            <a:fontRef idx="minor">
-              <a:schemeClr val="lt1"/>
-            </a:fontRef>
-          </p:style>
-          <p:txBody>
-            <a:bodyPr rtlCol="0" anchor="ctr"/>
-            <a:lstStyle/>
-            <a:p>
-              <a:pPr algn="ctr"/>
-              <a:endParaRPr lang="en-GB" sz="900" dirty="0"/>
-            </a:p>
-          </p:txBody>
-        </p:sp>
-        <p:sp>
-          <p:nvSpPr>
-            <p:cNvPr id="16" name="Rectangle 15"/>
-            <p:cNvSpPr/>
-            <p:nvPr/>
-          </p:nvSpPr>
-          <p:spPr>
-            <a:xfrm>
-              <a:off x="7109717" y="4756995"/>
-              <a:ext cx="1000676" cy="945305"/>
-            </a:xfrm>
-            <a:prstGeom prst="rect">
-              <a:avLst/>
-            </a:prstGeom>
-          </p:spPr>
-          <p:style>
-            <a:lnRef idx="2">
-              <a:schemeClr val="accent1">
-                <a:shade val="50000"/>
-              </a:schemeClr>
-            </a:lnRef>
-            <a:fillRef idx="1">
-              <a:schemeClr val="accent1"/>
-            </a:fillRef>
-            <a:effectRef idx="0">
-              <a:schemeClr val="accent1"/>
-            </a:effectRef>
-            <a:fontRef idx="minor">
-              <a:schemeClr val="lt1"/>
-            </a:fontRef>
-          </p:style>
-          <p:txBody>
-            <a:bodyPr rtlCol="0" anchor="ctr"/>
-            <a:lstStyle/>
-            <a:p>
-              <a:pPr algn="ctr"/>
-              <a:endParaRPr lang="en-GB" sz="900" dirty="0"/>
-            </a:p>
-          </p:txBody>
-        </p:sp>
-        <p:sp>
-          <p:nvSpPr>
-            <p:cNvPr id="17" name="Rectangle 16"/>
-            <p:cNvSpPr/>
-            <p:nvPr/>
-          </p:nvSpPr>
-          <p:spPr>
-            <a:xfrm>
-              <a:off x="5680414" y="4756995"/>
-              <a:ext cx="1000676" cy="945305"/>
-            </a:xfrm>
-            <a:prstGeom prst="rect">
-              <a:avLst/>
-            </a:prstGeom>
-          </p:spPr>
-          <p:style>
-            <a:lnRef idx="2">
-              <a:schemeClr val="accent1">
-                <a:shade val="50000"/>
-              </a:schemeClr>
-            </a:lnRef>
-            <a:fillRef idx="1">
-              <a:schemeClr val="accent1"/>
-            </a:fillRef>
-            <a:effectRef idx="0">
-              <a:schemeClr val="accent1"/>
-            </a:effectRef>
-            <a:fontRef idx="minor">
-              <a:schemeClr val="lt1"/>
-            </a:fontRef>
-          </p:style>
-          <p:txBody>
-            <a:bodyPr rtlCol="0" anchor="ctr"/>
-            <a:lstStyle/>
-            <a:p>
-              <a:pPr algn="ctr"/>
-              <a:endParaRPr lang="en-GB" sz="900" dirty="0"/>
-            </a:p>
-          </p:txBody>
-        </p:sp>
-        <p:sp>
-          <p:nvSpPr>
-            <p:cNvPr id="18" name="Rectangle 17"/>
-            <p:cNvSpPr/>
-            <p:nvPr/>
-          </p:nvSpPr>
-          <p:spPr>
-            <a:xfrm>
-              <a:off x="2496641" y="1147433"/>
-              <a:ext cx="1000678" cy="543890"/>
-            </a:xfrm>
-            <a:prstGeom prst="rect">
-              <a:avLst/>
-            </a:prstGeom>
-          </p:spPr>
-          <p:style>
-            <a:lnRef idx="2">
-              <a:schemeClr val="accent1"/>
-            </a:lnRef>
-            <a:fillRef idx="1">
-              <a:schemeClr val="lt1"/>
-            </a:fillRef>
-            <a:effectRef idx="0">
-              <a:schemeClr val="accent1"/>
-            </a:effectRef>
-            <a:fontRef idx="minor">
-              <a:schemeClr val="dk1"/>
-            </a:fontRef>
-          </p:style>
-          <p:txBody>
-            <a:bodyPr rtlCol="0" anchor="ctr"/>
-            <a:lstStyle/>
-            <a:p>
-              <a:pPr algn="ctr"/>
-              <a:r>
-                <a:rPr lang="en-GB" sz="900" dirty="0" smtClean="0"/>
-                <a:t>Voltage to Expected RPM</a:t>
-              </a:r>
-              <a:endParaRPr lang="en-GB" sz="900" dirty="0"/>
-            </a:p>
-          </p:txBody>
-        </p:sp>
-        <p:sp>
-          <p:nvSpPr>
-            <p:cNvPr id="19" name="Rectangle 18"/>
-            <p:cNvSpPr/>
-            <p:nvPr/>
-          </p:nvSpPr>
-          <p:spPr>
-            <a:xfrm>
-              <a:off x="1362516" y="1509039"/>
-              <a:ext cx="685418" cy="543890"/>
-            </a:xfrm>
-            <a:prstGeom prst="rect">
-              <a:avLst/>
-            </a:prstGeom>
-          </p:spPr>
-          <p:style>
-            <a:lnRef idx="2">
-              <a:schemeClr val="accent1"/>
-            </a:lnRef>
-            <a:fillRef idx="1">
-              <a:schemeClr val="lt1"/>
-            </a:fillRef>
-            <a:effectRef idx="0">
-              <a:schemeClr val="accent1"/>
-            </a:effectRef>
-            <a:fontRef idx="minor">
-              <a:schemeClr val="dk1"/>
-            </a:fontRef>
-          </p:style>
-          <p:txBody>
-            <a:bodyPr rtlCol="0" anchor="ctr"/>
-            <a:lstStyle/>
-            <a:p>
-              <a:pPr algn="ctr"/>
-              <a:r>
-                <a:rPr lang="en-GB" sz="900" dirty="0" smtClean="0"/>
-                <a:t>Analogue Pin</a:t>
-              </a:r>
-              <a:endParaRPr lang="en-GB" sz="900" dirty="0"/>
-            </a:p>
-          </p:txBody>
-        </p:sp>
-        <p:sp>
-          <p:nvSpPr>
-            <p:cNvPr id="20" name="Rectangle 19"/>
-            <p:cNvSpPr/>
-            <p:nvPr/>
-          </p:nvSpPr>
-          <p:spPr>
-            <a:xfrm>
-              <a:off x="4168425" y="1147433"/>
-              <a:ext cx="575747" cy="543890"/>
-            </a:xfrm>
-            <a:prstGeom prst="rect">
-              <a:avLst/>
-            </a:prstGeom>
-          </p:spPr>
-          <p:style>
-            <a:lnRef idx="2">
-              <a:schemeClr val="accent1"/>
-            </a:lnRef>
-            <a:fillRef idx="1">
-              <a:schemeClr val="lt1"/>
-            </a:fillRef>
-            <a:effectRef idx="0">
-              <a:schemeClr val="accent1"/>
-            </a:effectRef>
-            <a:fontRef idx="minor">
-              <a:schemeClr val="dk1"/>
-            </a:fontRef>
-          </p:style>
-          <p:txBody>
-            <a:bodyPr rtlCol="0" anchor="ctr"/>
-            <a:lstStyle/>
-            <a:p>
-              <a:pPr algn="ctr"/>
-              <a:r>
-                <a:rPr lang="en-GB" sz="900" dirty="0" smtClean="0"/>
-                <a:t>Error Node</a:t>
-              </a:r>
-              <a:endParaRPr lang="en-GB" sz="900" dirty="0"/>
-            </a:p>
-          </p:txBody>
-        </p:sp>
-        <p:sp>
-          <p:nvSpPr>
-            <p:cNvPr id="21" name="Rectangle 20"/>
-            <p:cNvSpPr/>
-            <p:nvPr/>
-          </p:nvSpPr>
-          <p:spPr>
-            <a:xfrm>
-              <a:off x="5540363" y="558799"/>
-              <a:ext cx="1000678" cy="543890"/>
-            </a:xfrm>
-            <a:prstGeom prst="rect">
-              <a:avLst/>
-            </a:prstGeom>
-          </p:spPr>
-          <p:style>
-            <a:lnRef idx="2">
-              <a:schemeClr val="accent1"/>
-            </a:lnRef>
-            <a:fillRef idx="1">
-              <a:schemeClr val="lt1"/>
-            </a:fillRef>
-            <a:effectRef idx="0">
-              <a:schemeClr val="accent1"/>
-            </a:effectRef>
-            <a:fontRef idx="minor">
-              <a:schemeClr val="dk1"/>
-            </a:fontRef>
-          </p:style>
-          <p:txBody>
-            <a:bodyPr rtlCol="0" anchor="ctr"/>
-            <a:lstStyle/>
-            <a:p>
-              <a:pPr algn="ctr"/>
-              <a:r>
-                <a:rPr lang="en-GB" sz="900" dirty="0" smtClean="0"/>
-                <a:t>PID Controller</a:t>
-              </a:r>
-              <a:endParaRPr lang="en-GB" sz="900" dirty="0"/>
-            </a:p>
-          </p:txBody>
-        </p:sp>
-        <p:sp>
-          <p:nvSpPr>
-            <p:cNvPr id="22" name="Rectangle 21"/>
-            <p:cNvSpPr/>
-            <p:nvPr/>
-          </p:nvSpPr>
-          <p:spPr>
-            <a:xfrm>
-              <a:off x="7253842" y="1147433"/>
-              <a:ext cx="575747" cy="543890"/>
-            </a:xfrm>
-            <a:prstGeom prst="rect">
-              <a:avLst/>
-            </a:prstGeom>
-          </p:spPr>
-          <p:style>
-            <a:lnRef idx="2">
-              <a:schemeClr val="accent1"/>
-            </a:lnRef>
-            <a:fillRef idx="1">
-              <a:schemeClr val="lt1"/>
-            </a:fillRef>
-            <a:effectRef idx="0">
-              <a:schemeClr val="accent1"/>
-            </a:effectRef>
-            <a:fontRef idx="minor">
-              <a:schemeClr val="dk1"/>
-            </a:fontRef>
-          </p:style>
-          <p:txBody>
-            <a:bodyPr rtlCol="0" anchor="ctr"/>
-            <a:lstStyle/>
-            <a:p>
-              <a:pPr algn="ctr"/>
-              <a:r>
-                <a:rPr lang="en-GB" sz="900" dirty="0" smtClean="0"/>
-                <a:t>Engine Control</a:t>
-              </a:r>
-              <a:endParaRPr lang="en-GB" sz="900" dirty="0"/>
-            </a:p>
-          </p:txBody>
-        </p:sp>
-        <p:sp>
-          <p:nvSpPr>
-            <p:cNvPr id="23" name="Rectangle 22"/>
-            <p:cNvSpPr/>
-            <p:nvPr/>
-          </p:nvSpPr>
-          <p:spPr>
-            <a:xfrm>
-              <a:off x="8972334" y="1851805"/>
-              <a:ext cx="570734" cy="201128"/>
-            </a:xfrm>
-            <a:prstGeom prst="rect">
-              <a:avLst/>
-            </a:prstGeom>
-          </p:spPr>
-          <p:style>
-            <a:lnRef idx="2">
-              <a:schemeClr val="accent1"/>
-            </a:lnRef>
-            <a:fillRef idx="1">
-              <a:schemeClr val="lt1"/>
-            </a:fillRef>
-            <a:effectRef idx="0">
-              <a:schemeClr val="accent1"/>
-            </a:effectRef>
-            <a:fontRef idx="minor">
-              <a:schemeClr val="dk1"/>
-            </a:fontRef>
-          </p:style>
-          <p:txBody>
-            <a:bodyPr rtlCol="0" anchor="ctr"/>
-            <a:lstStyle/>
-            <a:p>
-              <a:pPr algn="ctr"/>
-              <a:r>
-                <a:rPr lang="en-GB" sz="900" dirty="0" smtClean="0"/>
-                <a:t>Polarity</a:t>
-              </a:r>
-              <a:endParaRPr lang="en-GB" sz="900" dirty="0"/>
-            </a:p>
-          </p:txBody>
-        </p:sp>
-        <p:sp>
-          <p:nvSpPr>
-            <p:cNvPr id="24" name="Rectangle 23"/>
-            <p:cNvSpPr/>
-            <p:nvPr/>
-          </p:nvSpPr>
-          <p:spPr>
-            <a:xfrm>
-              <a:off x="8972334" y="2495417"/>
-              <a:ext cx="570734" cy="201128"/>
-            </a:xfrm>
-            <a:prstGeom prst="rect">
-              <a:avLst/>
-            </a:prstGeom>
-          </p:spPr>
-          <p:style>
-            <a:lnRef idx="2">
-              <a:schemeClr val="accent1"/>
-            </a:lnRef>
-            <a:fillRef idx="1">
-              <a:schemeClr val="lt1"/>
-            </a:fillRef>
-            <a:effectRef idx="0">
-              <a:schemeClr val="accent1"/>
-            </a:effectRef>
-            <a:fontRef idx="minor">
-              <a:schemeClr val="dk1"/>
-            </a:fontRef>
-          </p:style>
-          <p:txBody>
-            <a:bodyPr rtlCol="0" anchor="ctr"/>
-            <a:lstStyle/>
-            <a:p>
-              <a:pPr algn="ctr"/>
-              <a:r>
-                <a:rPr lang="en-GB" sz="900" dirty="0" smtClean="0"/>
-                <a:t>DUTY</a:t>
-              </a:r>
-              <a:endParaRPr lang="en-GB" sz="900" dirty="0"/>
-            </a:p>
-          </p:txBody>
-        </p:sp>
-        <p:sp>
-          <p:nvSpPr>
-            <p:cNvPr id="25" name="Rectangle 24"/>
-            <p:cNvSpPr/>
-            <p:nvPr/>
-          </p:nvSpPr>
-          <p:spPr>
-            <a:xfrm>
-              <a:off x="9551049" y="1691322"/>
-              <a:ext cx="352606" cy="361609"/>
-            </a:xfrm>
-            <a:prstGeom prst="rect">
-              <a:avLst/>
-            </a:prstGeom>
-          </p:spPr>
-          <p:style>
-            <a:lnRef idx="2">
-              <a:schemeClr val="accent1"/>
-            </a:lnRef>
-            <a:fillRef idx="1">
-              <a:schemeClr val="lt1"/>
-            </a:fillRef>
-            <a:effectRef idx="0">
-              <a:schemeClr val="accent1"/>
-            </a:effectRef>
-            <a:fontRef idx="minor">
-              <a:schemeClr val="dk1"/>
-            </a:fontRef>
-          </p:style>
-          <p:txBody>
-            <a:bodyPr rtlCol="0" anchor="ctr"/>
-            <a:lstStyle/>
-            <a:p>
-              <a:pPr algn="ctr"/>
-              <a:r>
-                <a:rPr lang="en-GB" sz="800" dirty="0" smtClean="0"/>
-                <a:t>CTR</a:t>
-              </a:r>
-              <a:endParaRPr lang="en-GB" sz="800" dirty="0"/>
-            </a:p>
-          </p:txBody>
-        </p:sp>
-        <p:sp>
-          <p:nvSpPr>
-            <p:cNvPr id="26" name="Rectangle 25"/>
-            <p:cNvSpPr/>
-            <p:nvPr/>
-          </p:nvSpPr>
-          <p:spPr>
-            <a:xfrm>
-              <a:off x="9911636" y="1691322"/>
-              <a:ext cx="984713" cy="361609"/>
-            </a:xfrm>
-            <a:prstGeom prst="rect">
-              <a:avLst/>
-            </a:prstGeom>
-          </p:spPr>
-          <p:style>
-            <a:lnRef idx="2">
-              <a:schemeClr val="accent1"/>
-            </a:lnRef>
-            <a:fillRef idx="1">
-              <a:schemeClr val="lt1"/>
-            </a:fillRef>
-            <a:effectRef idx="0">
-              <a:schemeClr val="accent1"/>
-            </a:effectRef>
-            <a:fontRef idx="minor">
-              <a:schemeClr val="dk1"/>
-            </a:fontRef>
-          </p:style>
-          <p:txBody>
-            <a:bodyPr rtlCol="0" anchor="ctr"/>
-            <a:lstStyle/>
-            <a:p>
-              <a:pPr algn="ctr"/>
-              <a:r>
-                <a:rPr lang="en-GB" sz="900" dirty="0" smtClean="0"/>
-                <a:t>PLANT</a:t>
-              </a:r>
-              <a:endParaRPr lang="en-GB" sz="900" dirty="0"/>
-            </a:p>
-          </p:txBody>
-        </p:sp>
-        <p:sp>
-          <p:nvSpPr>
-            <p:cNvPr id="27" name="Rectangle 26"/>
-            <p:cNvSpPr/>
-            <p:nvPr/>
-          </p:nvSpPr>
-          <p:spPr>
-            <a:xfrm>
-              <a:off x="5828630" y="3982090"/>
-              <a:ext cx="704243" cy="543890"/>
-            </a:xfrm>
-            <a:prstGeom prst="rect">
-              <a:avLst/>
-            </a:prstGeom>
-          </p:spPr>
-          <p:style>
-            <a:lnRef idx="2">
-              <a:schemeClr val="accent1"/>
-            </a:lnRef>
-            <a:fillRef idx="1">
-              <a:schemeClr val="lt1"/>
-            </a:fillRef>
-            <a:effectRef idx="0">
-              <a:schemeClr val="accent1"/>
-            </a:effectRef>
-            <a:fontRef idx="minor">
-              <a:schemeClr val="dk1"/>
-            </a:fontRef>
-          </p:style>
-          <p:txBody>
-            <a:bodyPr rtlCol="0" anchor="ctr"/>
-            <a:lstStyle/>
-            <a:p>
-              <a:pPr algn="ctr"/>
-              <a:r>
-                <a:rPr lang="en-GB" sz="900" dirty="0" smtClean="0"/>
-                <a:t>Speed Calculation</a:t>
-              </a:r>
-              <a:endParaRPr lang="en-GB" sz="900" dirty="0"/>
-            </a:p>
-          </p:txBody>
-        </p:sp>
-        <p:sp>
-          <p:nvSpPr>
-            <p:cNvPr id="28" name="Rectangle 27"/>
-            <p:cNvSpPr/>
-            <p:nvPr/>
-          </p:nvSpPr>
-          <p:spPr>
-            <a:xfrm>
-              <a:off x="7257933" y="3982090"/>
-              <a:ext cx="704243" cy="543890"/>
-            </a:xfrm>
-            <a:prstGeom prst="rect">
-              <a:avLst/>
-            </a:prstGeom>
-          </p:spPr>
-          <p:style>
-            <a:lnRef idx="2">
-              <a:schemeClr val="accent1"/>
-            </a:lnRef>
-            <a:fillRef idx="1">
-              <a:schemeClr val="lt1"/>
-            </a:fillRef>
-            <a:effectRef idx="0">
-              <a:schemeClr val="accent1"/>
-            </a:effectRef>
-            <a:fontRef idx="minor">
-              <a:schemeClr val="dk1"/>
-            </a:fontRef>
-          </p:style>
-          <p:txBody>
-            <a:bodyPr rtlCol="0" anchor="ctr"/>
-            <a:lstStyle/>
-            <a:p>
-              <a:pPr algn="ctr"/>
-              <a:r>
-                <a:rPr lang="en-GB" sz="900" dirty="0" smtClean="0"/>
-                <a:t>Position Counter</a:t>
-              </a:r>
-              <a:endParaRPr lang="en-GB" sz="900" dirty="0"/>
-            </a:p>
-          </p:txBody>
-        </p:sp>
-        <p:sp>
-          <p:nvSpPr>
-            <p:cNvPr id="29" name="Rectangle 28"/>
-            <p:cNvSpPr/>
-            <p:nvPr/>
-          </p:nvSpPr>
-          <p:spPr>
-            <a:xfrm>
-              <a:off x="9337801" y="3988388"/>
-              <a:ext cx="565853" cy="543890"/>
-            </a:xfrm>
-            <a:prstGeom prst="rect">
-              <a:avLst/>
-            </a:prstGeom>
-          </p:spPr>
-          <p:style>
-            <a:lnRef idx="2">
-              <a:schemeClr val="accent1"/>
-            </a:lnRef>
-            <a:fillRef idx="1">
-              <a:schemeClr val="lt1"/>
-            </a:fillRef>
-            <a:effectRef idx="0">
-              <a:schemeClr val="accent1"/>
-            </a:effectRef>
-            <a:fontRef idx="minor">
-              <a:schemeClr val="dk1"/>
-            </a:fontRef>
-          </p:style>
-          <p:txBody>
-            <a:bodyPr rtlCol="0" anchor="ctr"/>
-            <a:lstStyle/>
-            <a:p>
-              <a:pPr algn="ctr"/>
-              <a:r>
-                <a:rPr lang="en-GB" sz="900" dirty="0" smtClean="0"/>
-                <a:t>Channel A/B Reader</a:t>
-              </a:r>
-              <a:endParaRPr lang="en-GB" sz="900" dirty="0"/>
-            </a:p>
-          </p:txBody>
-        </p:sp>
-        <p:sp>
-          <p:nvSpPr>
-            <p:cNvPr id="30" name="Rectangle 29"/>
-            <p:cNvSpPr/>
-            <p:nvPr/>
-          </p:nvSpPr>
-          <p:spPr>
-            <a:xfrm>
-              <a:off x="9903654" y="3982090"/>
-              <a:ext cx="704243" cy="543890"/>
-            </a:xfrm>
-            <a:prstGeom prst="rect">
-              <a:avLst/>
-            </a:prstGeom>
-          </p:spPr>
-          <p:style>
-            <a:lnRef idx="2">
-              <a:schemeClr val="accent1"/>
-            </a:lnRef>
-            <a:fillRef idx="1">
-              <a:schemeClr val="lt1"/>
-            </a:fillRef>
-            <a:effectRef idx="0">
-              <a:schemeClr val="accent1"/>
-            </a:effectRef>
-            <a:fontRef idx="minor">
-              <a:schemeClr val="dk1"/>
-            </a:fontRef>
-          </p:style>
-          <p:txBody>
-            <a:bodyPr rtlCol="0" anchor="ctr"/>
-            <a:lstStyle/>
-            <a:p>
-              <a:pPr algn="ctr"/>
-              <a:r>
-                <a:rPr lang="en-GB" sz="900" dirty="0" smtClean="0"/>
-                <a:t>Encoder</a:t>
-              </a:r>
-              <a:endParaRPr lang="en-GB" sz="900" dirty="0"/>
+              <a:endParaRPr lang="en-GB"/>
             </a:p>
           </p:txBody>
         </p:sp>
         <p:cxnSp>
           <p:nvCxnSpPr>
-            <p:cNvPr id="34" name="Straight Arrow Connector 33"/>
+            <p:cNvPr id="100" name="Straight Connector 99"/>
             <p:cNvCxnSpPr>
-              <a:stCxn id="5" idx="3"/>
-              <a:endCxn id="6" idx="1"/>
+              <a:stCxn id="98" idx="0"/>
             </p:cNvCxnSpPr>
             <p:nvPr/>
           </p:nvCxnSpPr>
           <p:spPr>
-            <a:xfrm>
-              <a:off x="2047935" y="2525586"/>
-              <a:ext cx="448707" cy="0"/>
+            <a:xfrm flipH="1">
+              <a:off x="875522" y="2230982"/>
+              <a:ext cx="2" cy="294604"/>
             </a:xfrm>
-            <a:prstGeom prst="straightConnector1">
+            <a:prstGeom prst="line">
               <a:avLst/>
             </a:prstGeom>
-            <a:ln>
-              <a:tailEnd type="triangle"/>
+            <a:ln w="38100">
+              <a:solidFill>
+                <a:schemeClr val="tx1"/>
+              </a:solidFill>
             </a:ln>
           </p:spPr>
           <p:style>
@@ -4126,392 +4785,296 @@
             </a:fontRef>
           </p:style>
         </p:cxnSp>
-        <p:cxnSp>
-          <p:nvCxnSpPr>
-            <p:cNvPr id="37" name="Straight Arrow Connector 36"/>
-            <p:cNvCxnSpPr>
-              <a:stCxn id="6" idx="3"/>
-              <a:endCxn id="7" idx="1"/>
-            </p:cNvCxnSpPr>
-            <p:nvPr/>
-          </p:nvCxnSpPr>
-          <p:spPr>
-            <a:xfrm>
-              <a:off x="3497318" y="2525586"/>
-              <a:ext cx="458642" cy="0"/>
-            </a:xfrm>
-            <a:prstGeom prst="straightConnector1">
-              <a:avLst/>
-            </a:prstGeom>
-            <a:ln>
-              <a:tailEnd type="triangle"/>
-            </a:ln>
-          </p:spPr>
-          <p:style>
-            <a:lnRef idx="1">
-              <a:schemeClr val="accent1"/>
-            </a:lnRef>
-            <a:fillRef idx="0">
-              <a:schemeClr val="accent1"/>
-            </a:fillRef>
-            <a:effectRef idx="0">
-              <a:schemeClr val="accent1"/>
-            </a:effectRef>
-            <a:fontRef idx="minor">
-              <a:schemeClr val="tx1"/>
-            </a:fontRef>
-          </p:style>
-        </p:cxnSp>
-        <p:cxnSp>
-          <p:nvCxnSpPr>
-            <p:cNvPr id="40" name="Straight Arrow Connector 39"/>
-            <p:cNvCxnSpPr>
-              <a:stCxn id="7" idx="3"/>
-              <a:endCxn id="8" idx="1"/>
-            </p:cNvCxnSpPr>
-            <p:nvPr/>
-          </p:nvCxnSpPr>
-          <p:spPr>
-            <a:xfrm>
-              <a:off x="4956636" y="2525586"/>
-              <a:ext cx="583728" cy="0"/>
-            </a:xfrm>
-            <a:prstGeom prst="straightConnector1">
-              <a:avLst/>
-            </a:prstGeom>
-            <a:ln>
-              <a:tailEnd type="triangle"/>
-            </a:ln>
-          </p:spPr>
-          <p:style>
-            <a:lnRef idx="1">
-              <a:schemeClr val="accent1"/>
-            </a:lnRef>
-            <a:fillRef idx="0">
-              <a:schemeClr val="accent1"/>
-            </a:fillRef>
-            <a:effectRef idx="0">
-              <a:schemeClr val="accent1"/>
-            </a:effectRef>
-            <a:fontRef idx="minor">
-              <a:schemeClr val="tx1"/>
-            </a:fontRef>
-          </p:style>
-        </p:cxnSp>
-        <p:cxnSp>
-          <p:nvCxnSpPr>
-            <p:cNvPr id="43" name="Straight Arrow Connector 42"/>
-            <p:cNvCxnSpPr>
-              <a:stCxn id="8" idx="3"/>
-              <a:endCxn id="9" idx="1"/>
-            </p:cNvCxnSpPr>
-            <p:nvPr/>
-          </p:nvCxnSpPr>
-          <p:spPr>
-            <a:xfrm>
-              <a:off x="6541040" y="2525586"/>
-              <a:ext cx="500338" cy="0"/>
-            </a:xfrm>
-            <a:prstGeom prst="straightConnector1">
-              <a:avLst/>
-            </a:prstGeom>
-            <a:ln>
-              <a:tailEnd type="triangle"/>
-            </a:ln>
-          </p:spPr>
-          <p:style>
-            <a:lnRef idx="1">
-              <a:schemeClr val="accent1"/>
-            </a:lnRef>
-            <a:fillRef idx="0">
-              <a:schemeClr val="accent1"/>
-            </a:fillRef>
-            <a:effectRef idx="0">
-              <a:schemeClr val="accent1"/>
-            </a:effectRef>
-            <a:fontRef idx="minor">
-              <a:schemeClr val="tx1"/>
-            </a:fontRef>
-          </p:style>
-        </p:cxnSp>
-        <p:cxnSp>
-          <p:nvCxnSpPr>
-            <p:cNvPr id="46" name="Straight Arrow Connector 45"/>
-            <p:cNvCxnSpPr>
-              <a:endCxn id="10" idx="1"/>
-            </p:cNvCxnSpPr>
-            <p:nvPr/>
-          </p:nvCxnSpPr>
-          <p:spPr>
-            <a:xfrm flipV="1">
-              <a:off x="8042054" y="2203781"/>
-              <a:ext cx="930279" cy="10102"/>
-            </a:xfrm>
-            <a:prstGeom prst="straightConnector1">
-              <a:avLst/>
-            </a:prstGeom>
-            <a:ln>
-              <a:tailEnd type="triangle"/>
-            </a:ln>
-          </p:spPr>
-          <p:style>
-            <a:lnRef idx="1">
-              <a:schemeClr val="accent1"/>
-            </a:lnRef>
-            <a:fillRef idx="0">
-              <a:schemeClr val="accent1"/>
-            </a:fillRef>
-            <a:effectRef idx="0">
-              <a:schemeClr val="accent1"/>
-            </a:effectRef>
-            <a:fontRef idx="minor">
-              <a:schemeClr val="tx1"/>
-            </a:fontRef>
-          </p:style>
-        </p:cxnSp>
-        <p:cxnSp>
-          <p:nvCxnSpPr>
-            <p:cNvPr id="49" name="Straight Arrow Connector 48"/>
-            <p:cNvCxnSpPr>
-              <a:endCxn id="11" idx="1"/>
-            </p:cNvCxnSpPr>
-            <p:nvPr/>
-          </p:nvCxnSpPr>
-          <p:spPr>
-            <a:xfrm>
-              <a:off x="8042054" y="2837335"/>
-              <a:ext cx="930279" cy="10057"/>
-            </a:xfrm>
-            <a:prstGeom prst="straightConnector1">
-              <a:avLst/>
-            </a:prstGeom>
-            <a:ln>
-              <a:tailEnd type="triangle"/>
-            </a:ln>
-          </p:spPr>
-          <p:style>
-            <a:lnRef idx="1">
-              <a:schemeClr val="accent1"/>
-            </a:lnRef>
-            <a:fillRef idx="0">
-              <a:schemeClr val="accent1"/>
-            </a:fillRef>
-            <a:effectRef idx="0">
-              <a:schemeClr val="accent1"/>
-            </a:effectRef>
-            <a:fontRef idx="minor">
-              <a:schemeClr val="tx1"/>
-            </a:fontRef>
-          </p:style>
-        </p:cxnSp>
-        <p:cxnSp>
-          <p:nvCxnSpPr>
-            <p:cNvPr id="54" name="Straight Arrow Connector 53"/>
-            <p:cNvCxnSpPr>
-              <a:stCxn id="13" idx="3"/>
-            </p:cNvCxnSpPr>
-            <p:nvPr/>
-          </p:nvCxnSpPr>
-          <p:spPr>
-            <a:xfrm>
-              <a:off x="10904331" y="2525586"/>
-              <a:ext cx="368863" cy="0"/>
-            </a:xfrm>
-            <a:prstGeom prst="straightConnector1">
-              <a:avLst/>
-            </a:prstGeom>
-            <a:ln>
-              <a:tailEnd type="triangle"/>
-            </a:ln>
-          </p:spPr>
-          <p:style>
-            <a:lnRef idx="1">
-              <a:schemeClr val="accent1"/>
-            </a:lnRef>
-            <a:fillRef idx="0">
-              <a:schemeClr val="accent1"/>
-            </a:fillRef>
-            <a:effectRef idx="0">
-              <a:schemeClr val="accent1"/>
-            </a:effectRef>
-            <a:fontRef idx="minor">
-              <a:schemeClr val="tx1"/>
-            </a:fontRef>
-          </p:style>
-        </p:cxnSp>
-        <p:cxnSp>
-          <p:nvCxnSpPr>
-            <p:cNvPr id="61" name="Elbow Connector 60"/>
-            <p:cNvCxnSpPr>
-              <a:stCxn id="13" idx="3"/>
-              <a:endCxn id="14" idx="3"/>
-            </p:cNvCxnSpPr>
-            <p:nvPr/>
-          </p:nvCxnSpPr>
-          <p:spPr>
-            <a:xfrm flipH="1">
-              <a:off x="10607897" y="2525586"/>
-              <a:ext cx="296434" cy="2704062"/>
-            </a:xfrm>
-            <a:prstGeom prst="bentConnector3">
-              <a:avLst>
-                <a:gd name="adj1" fmla="val -77117"/>
-              </a:avLst>
-            </a:prstGeom>
-            <a:ln>
-              <a:tailEnd type="triangle"/>
-            </a:ln>
-          </p:spPr>
-          <p:style>
-            <a:lnRef idx="1">
-              <a:schemeClr val="accent1"/>
-            </a:lnRef>
-            <a:fillRef idx="0">
-              <a:schemeClr val="accent1"/>
-            </a:fillRef>
-            <a:effectRef idx="0">
-              <a:schemeClr val="accent1"/>
-            </a:effectRef>
-            <a:fontRef idx="minor">
-              <a:schemeClr val="tx1"/>
-            </a:fontRef>
-          </p:style>
-        </p:cxnSp>
-        <p:cxnSp>
-          <p:nvCxnSpPr>
-            <p:cNvPr id="65" name="Straight Arrow Connector 64"/>
-            <p:cNvCxnSpPr>
-              <a:stCxn id="15" idx="1"/>
-              <a:endCxn id="16" idx="3"/>
-            </p:cNvCxnSpPr>
-            <p:nvPr/>
-          </p:nvCxnSpPr>
-          <p:spPr>
-            <a:xfrm flipH="1">
-              <a:off x="8110393" y="5229648"/>
-              <a:ext cx="1227409" cy="0"/>
-            </a:xfrm>
-            <a:prstGeom prst="straightConnector1">
-              <a:avLst/>
-            </a:prstGeom>
-            <a:ln>
-              <a:tailEnd type="triangle"/>
-            </a:ln>
-          </p:spPr>
-          <p:style>
-            <a:lnRef idx="1">
-              <a:schemeClr val="accent1"/>
-            </a:lnRef>
-            <a:fillRef idx="0">
-              <a:schemeClr val="accent1"/>
-            </a:fillRef>
-            <a:effectRef idx="0">
-              <a:schemeClr val="accent1"/>
-            </a:effectRef>
-            <a:fontRef idx="minor">
-              <a:schemeClr val="tx1"/>
-            </a:fontRef>
-          </p:style>
-        </p:cxnSp>
-        <p:cxnSp>
-          <p:nvCxnSpPr>
-            <p:cNvPr id="69" name="Straight Arrow Connector 68"/>
-            <p:cNvCxnSpPr>
-              <a:stCxn id="16" idx="1"/>
-              <a:endCxn id="17" idx="3"/>
-            </p:cNvCxnSpPr>
-            <p:nvPr/>
-          </p:nvCxnSpPr>
-          <p:spPr>
-            <a:xfrm flipH="1">
-              <a:off x="6681090" y="5229648"/>
-              <a:ext cx="428627" cy="0"/>
-            </a:xfrm>
-            <a:prstGeom prst="straightConnector1">
-              <a:avLst/>
-            </a:prstGeom>
-            <a:ln>
-              <a:tailEnd type="triangle"/>
-            </a:ln>
-          </p:spPr>
-          <p:style>
-            <a:lnRef idx="1">
-              <a:schemeClr val="accent1"/>
-            </a:lnRef>
-            <a:fillRef idx="0">
-              <a:schemeClr val="accent1"/>
-            </a:fillRef>
-            <a:effectRef idx="0">
-              <a:schemeClr val="accent1"/>
-            </a:effectRef>
-            <a:fontRef idx="minor">
-              <a:schemeClr val="tx1"/>
-            </a:fontRef>
-          </p:style>
-        </p:cxnSp>
-        <p:cxnSp>
-          <p:nvCxnSpPr>
-            <p:cNvPr id="74" name="Elbow Connector 73"/>
-            <p:cNvCxnSpPr>
-              <a:stCxn id="17" idx="1"/>
-              <a:endCxn id="7" idx="2"/>
-            </p:cNvCxnSpPr>
-            <p:nvPr/>
-          </p:nvCxnSpPr>
-          <p:spPr>
-            <a:xfrm rot="10800000">
-              <a:off x="4456298" y="2998238"/>
-              <a:ext cx="1224116" cy="2231410"/>
-            </a:xfrm>
-            <a:prstGeom prst="bentConnector2">
-              <a:avLst/>
-            </a:prstGeom>
-            <a:ln>
-              <a:tailEnd type="triangle"/>
-            </a:ln>
-          </p:spPr>
-          <p:style>
-            <a:lnRef idx="1">
-              <a:schemeClr val="accent1"/>
-            </a:lnRef>
-            <a:fillRef idx="0">
-              <a:schemeClr val="accent1"/>
-            </a:fillRef>
-            <a:effectRef idx="0">
-              <a:schemeClr val="accent1"/>
-            </a:effectRef>
-            <a:fontRef idx="minor">
-              <a:schemeClr val="tx1"/>
-            </a:fontRef>
-          </p:style>
-        </p:cxnSp>
+      </p:grpSp>
+      <p:sp>
+        <p:nvSpPr>
+          <p:cNvPr id="53" name="Rectangle 52"/>
+          <p:cNvSpPr/>
+          <p:nvPr/>
+        </p:nvSpPr>
+        <p:spPr>
+          <a:xfrm>
+            <a:off x="2272287" y="272053"/>
+            <a:ext cx="939449" cy="211597"/>
+          </a:xfrm>
+          <a:prstGeom prst="rect">
+            <a:avLst/>
+          </a:prstGeom>
+        </p:spPr>
+        <p:style>
+          <a:lnRef idx="2">
+            <a:schemeClr val="accent1"/>
+          </a:lnRef>
+          <a:fillRef idx="1">
+            <a:schemeClr val="lt1"/>
+          </a:fillRef>
+          <a:effectRef idx="0">
+            <a:schemeClr val="accent1"/>
+          </a:effectRef>
+          <a:fontRef idx="minor">
+            <a:schemeClr val="dk1"/>
+          </a:fontRef>
+        </p:style>
+        <p:txBody>
+          <a:bodyPr rtlCol="0" anchor="ctr"/>
+          <a:lstStyle/>
+          <a:p>
+            <a:pPr algn="ctr"/>
+            <a:r>
+              <a:rPr lang="en-GB" sz="900" dirty="0" smtClean="0"/>
+              <a:t>ARDUINO CODE</a:t>
+            </a:r>
+            <a:endParaRPr lang="en-GB" sz="900" dirty="0"/>
+          </a:p>
+        </p:txBody>
+      </p:sp>
+      <p:sp>
+        <p:nvSpPr>
+          <p:cNvPr id="58" name="Rectangle 57"/>
+          <p:cNvSpPr/>
+          <p:nvPr/>
+        </p:nvSpPr>
+        <p:spPr>
+          <a:xfrm>
+            <a:off x="401753" y="2912540"/>
+            <a:ext cx="960761" cy="566330"/>
+          </a:xfrm>
+          <a:prstGeom prst="rect">
+            <a:avLst/>
+          </a:prstGeom>
+        </p:spPr>
+        <p:style>
+          <a:lnRef idx="2">
+            <a:schemeClr val="accent2">
+              <a:shade val="50000"/>
+            </a:schemeClr>
+          </a:lnRef>
+          <a:fillRef idx="1">
+            <a:schemeClr val="accent2"/>
+          </a:fillRef>
+          <a:effectRef idx="0">
+            <a:schemeClr val="accent2"/>
+          </a:effectRef>
+          <a:fontRef idx="minor">
+            <a:schemeClr val="lt1"/>
+          </a:fontRef>
+        </p:style>
+        <p:txBody>
+          <a:bodyPr rtlCol="0" anchor="ctr"/>
+          <a:lstStyle/>
+          <a:p>
+            <a:pPr algn="ctr"/>
+            <a:endParaRPr lang="en-GB" sz="900" dirty="0"/>
+          </a:p>
+        </p:txBody>
+      </p:sp>
+      <p:sp>
+        <p:nvSpPr>
+          <p:cNvPr id="59" name="Rectangle 58"/>
+          <p:cNvSpPr/>
+          <p:nvPr/>
+        </p:nvSpPr>
+        <p:spPr>
+          <a:xfrm>
+            <a:off x="1369277" y="2912540"/>
+            <a:ext cx="678658" cy="566330"/>
+          </a:xfrm>
+          <a:prstGeom prst="rect">
+            <a:avLst/>
+          </a:prstGeom>
+        </p:spPr>
+        <p:style>
+          <a:lnRef idx="2">
+            <a:schemeClr val="accent6">
+              <a:shade val="50000"/>
+            </a:schemeClr>
+          </a:lnRef>
+          <a:fillRef idx="1">
+            <a:schemeClr val="accent6"/>
+          </a:fillRef>
+          <a:effectRef idx="0">
+            <a:schemeClr val="accent6"/>
+          </a:effectRef>
+          <a:fontRef idx="minor">
+            <a:schemeClr val="lt1"/>
+          </a:fontRef>
+        </p:style>
+        <p:txBody>
+          <a:bodyPr rtlCol="0" anchor="ctr"/>
+          <a:lstStyle/>
+          <a:p>
+            <a:pPr algn="ctr"/>
+            <a:endParaRPr lang="en-GB" sz="900" dirty="0"/>
+          </a:p>
+        </p:txBody>
+      </p:sp>
+      <p:sp>
+        <p:nvSpPr>
+          <p:cNvPr id="60" name="Rectangle 59"/>
+          <p:cNvSpPr/>
+          <p:nvPr/>
+        </p:nvSpPr>
+        <p:spPr>
+          <a:xfrm>
+            <a:off x="1362516" y="2629376"/>
+            <a:ext cx="685418" cy="283162"/>
+          </a:xfrm>
+          <a:prstGeom prst="rect">
+            <a:avLst/>
+          </a:prstGeom>
+        </p:spPr>
+        <p:style>
+          <a:lnRef idx="2">
+            <a:schemeClr val="accent1"/>
+          </a:lnRef>
+          <a:fillRef idx="1">
+            <a:schemeClr val="lt1"/>
+          </a:fillRef>
+          <a:effectRef idx="0">
+            <a:schemeClr val="accent1"/>
+          </a:effectRef>
+          <a:fontRef idx="minor">
+            <a:schemeClr val="dk1"/>
+          </a:fontRef>
+        </p:style>
+        <p:txBody>
+          <a:bodyPr rtlCol="0" anchor="ctr"/>
+          <a:lstStyle/>
+          <a:p>
+            <a:pPr algn="ctr"/>
+            <a:r>
+              <a:rPr lang="en-GB" sz="900" dirty="0" smtClean="0"/>
+              <a:t>Analogue Pin</a:t>
+            </a:r>
+            <a:endParaRPr lang="en-GB" sz="900" dirty="0"/>
+          </a:p>
+        </p:txBody>
+      </p:sp>
+      <p:cxnSp>
+        <p:nvCxnSpPr>
+          <p:cNvPr id="62" name="Straight Arrow Connector 61"/>
+          <p:cNvCxnSpPr>
+            <a:stCxn id="59" idx="3"/>
+          </p:cNvCxnSpPr>
+          <p:nvPr/>
+        </p:nvCxnSpPr>
+        <p:spPr>
+          <a:xfrm>
+            <a:off x="2047935" y="3195705"/>
+            <a:ext cx="448707" cy="0"/>
+          </a:xfrm>
+          <a:prstGeom prst="straightConnector1">
+            <a:avLst/>
+          </a:prstGeom>
+          <a:ln>
+            <a:tailEnd type="triangle"/>
+          </a:ln>
+        </p:spPr>
+        <p:style>
+          <a:lnRef idx="1">
+            <a:schemeClr val="accent1"/>
+          </a:lnRef>
+          <a:fillRef idx="0">
+            <a:schemeClr val="accent1"/>
+          </a:fillRef>
+          <a:effectRef idx="0">
+            <a:schemeClr val="accent1"/>
+          </a:effectRef>
+          <a:fontRef idx="minor">
+            <a:schemeClr val="tx1"/>
+          </a:fontRef>
+        </p:style>
+      </p:cxnSp>
+      <p:sp>
+        <p:nvSpPr>
+          <p:cNvPr id="63" name="Rectangle 62"/>
+          <p:cNvSpPr/>
+          <p:nvPr/>
+        </p:nvSpPr>
+        <p:spPr>
+          <a:xfrm>
+            <a:off x="398883" y="2629378"/>
+            <a:ext cx="965213" cy="283162"/>
+          </a:xfrm>
+          <a:prstGeom prst="rect">
+            <a:avLst/>
+          </a:prstGeom>
+        </p:spPr>
+        <p:style>
+          <a:lnRef idx="2">
+            <a:schemeClr val="accent1"/>
+          </a:lnRef>
+          <a:fillRef idx="1">
+            <a:schemeClr val="lt1"/>
+          </a:fillRef>
+          <a:effectRef idx="0">
+            <a:schemeClr val="accent1"/>
+          </a:effectRef>
+          <a:fontRef idx="minor">
+            <a:schemeClr val="dk1"/>
+          </a:fontRef>
+        </p:style>
+        <p:txBody>
+          <a:bodyPr rtlCol="0" anchor="ctr"/>
+          <a:lstStyle/>
+          <a:p>
+            <a:pPr algn="ctr"/>
+            <a:r>
+              <a:rPr lang="en-GB" sz="900" dirty="0" smtClean="0"/>
+              <a:t>Switch</a:t>
+            </a:r>
+            <a:endParaRPr lang="en-GB" sz="900" dirty="0"/>
+          </a:p>
+        </p:txBody>
+      </p:sp>
+      <p:grpSp>
+        <p:nvGrpSpPr>
+          <p:cNvPr id="38" name="Group 37"/>
+          <p:cNvGrpSpPr/>
+          <p:nvPr/>
+        </p:nvGrpSpPr>
+        <p:grpSpPr>
+          <a:xfrm rot="5400000">
+            <a:off x="746202" y="2983424"/>
+            <a:ext cx="248853" cy="503994"/>
+            <a:chOff x="375309" y="4273983"/>
+            <a:chExt cx="248853" cy="503994"/>
+          </a:xfrm>
+        </p:grpSpPr>
         <p:sp>
           <p:nvSpPr>
-            <p:cNvPr id="77" name="Rectangle 76"/>
+            <p:cNvPr id="70" name="Rectangle 69"/>
             <p:cNvSpPr/>
             <p:nvPr/>
           </p:nvSpPr>
           <p:spPr>
-            <a:xfrm>
-              <a:off x="11289235" y="2213883"/>
-              <a:ext cx="623365" cy="563067"/>
+            <a:xfrm rot="20156600">
+              <a:off x="375309" y="4319735"/>
+              <a:ext cx="144855" cy="351470"/>
             </a:xfrm>
             <a:prstGeom prst="rect">
               <a:avLst/>
             </a:prstGeom>
+            <a:ln>
+              <a:solidFill>
+                <a:schemeClr val="tx1"/>
+              </a:solidFill>
+            </a:ln>
           </p:spPr>
           <p:style>
             <a:lnRef idx="2">
-              <a:schemeClr val="accent1"/>
+              <a:schemeClr val="accent3">
+                <a:shade val="50000"/>
+              </a:schemeClr>
             </a:lnRef>
             <a:fillRef idx="1">
-              <a:schemeClr val="lt1"/>
+              <a:schemeClr val="accent3"/>
             </a:fillRef>
             <a:effectRef idx="0">
-              <a:schemeClr val="accent1"/>
+              <a:schemeClr val="accent3"/>
             </a:effectRef>
             <a:fontRef idx="minor">
-              <a:schemeClr val="dk1"/>
+              <a:schemeClr val="lt1"/>
             </a:fontRef>
           </p:style>
           <p:txBody>
@@ -4519,41 +5082,44 @@
             <a:lstStyle/>
             <a:p>
               <a:pPr algn="ctr"/>
-              <a:r>
-                <a:rPr lang="en-GB" sz="900" dirty="0" smtClean="0"/>
-                <a:t>RPM</a:t>
-              </a:r>
-              <a:endParaRPr lang="en-GB" sz="900" dirty="0"/>
+              <a:endParaRPr lang="en-GB"/>
             </a:p>
           </p:txBody>
         </p:sp>
         <p:sp>
           <p:nvSpPr>
-            <p:cNvPr id="80" name="Rectangle 79"/>
+            <p:cNvPr id="71" name="Rectangle 70"/>
             <p:cNvSpPr/>
             <p:nvPr/>
           </p:nvSpPr>
           <p:spPr>
             <a:xfrm>
-              <a:off x="398883" y="1509041"/>
-              <a:ext cx="965213" cy="543890"/>
+              <a:off x="441522" y="4273983"/>
+              <a:ext cx="182640" cy="503994"/>
             </a:xfrm>
             <a:prstGeom prst="rect">
               <a:avLst/>
             </a:prstGeom>
+            <a:ln>
+              <a:solidFill>
+                <a:schemeClr val="tx1"/>
+              </a:solidFill>
+            </a:ln>
           </p:spPr>
           <p:style>
             <a:lnRef idx="2">
-              <a:schemeClr val="accent1"/>
+              <a:schemeClr val="accent3">
+                <a:shade val="50000"/>
+              </a:schemeClr>
             </a:lnRef>
             <a:fillRef idx="1">
-              <a:schemeClr val="lt1"/>
+              <a:schemeClr val="accent3"/>
             </a:fillRef>
             <a:effectRef idx="0">
-              <a:schemeClr val="accent1"/>
+              <a:schemeClr val="accent3"/>
             </a:effectRef>
             <a:fontRef idx="minor">
-              <a:schemeClr val="dk1"/>
+              <a:schemeClr val="lt1"/>
             </a:fontRef>
           </p:style>
           <p:txBody>
@@ -4561,362 +5127,175 @@
             <a:lstStyle/>
             <a:p>
               <a:pPr algn="ctr"/>
-              <a:r>
-                <a:rPr lang="en-GB" sz="900" dirty="0" smtClean="0"/>
-                <a:t>Potentiometer</a:t>
-              </a:r>
-              <a:endParaRPr lang="en-GB" sz="900" dirty="0"/>
+              <a:endParaRPr lang="en-GB"/>
             </a:p>
           </p:txBody>
         </p:sp>
-        <p:sp>
-          <p:nvSpPr>
-            <p:cNvPr id="82" name="Rectangle 81"/>
-            <p:cNvSpPr/>
-            <p:nvPr/>
-          </p:nvSpPr>
-          <p:spPr>
-            <a:xfrm>
-              <a:off x="3890657" y="3950588"/>
-              <a:ext cx="469663" cy="543890"/>
-            </a:xfrm>
-            <a:prstGeom prst="rect">
-              <a:avLst/>
-            </a:prstGeom>
-          </p:spPr>
-          <p:style>
-            <a:lnRef idx="2">
-              <a:schemeClr val="accent1"/>
-            </a:lnRef>
-            <a:fillRef idx="1">
-              <a:schemeClr val="lt1"/>
-            </a:fillRef>
-            <a:effectRef idx="0">
-              <a:schemeClr val="accent1"/>
-            </a:effectRef>
-            <a:fontRef idx="minor">
-              <a:schemeClr val="dk1"/>
-            </a:fontRef>
-          </p:style>
-          <p:txBody>
-            <a:bodyPr rtlCol="0" anchor="ctr"/>
-            <a:lstStyle/>
-            <a:p>
-              <a:pPr algn="ctr"/>
-              <a:r>
-                <a:rPr lang="en-GB" sz="900" dirty="0" smtClean="0"/>
-                <a:t>Prior Error</a:t>
-              </a:r>
-              <a:endParaRPr lang="en-GB" sz="900" dirty="0"/>
-            </a:p>
-          </p:txBody>
-        </p:sp>
-        <p:sp>
-          <p:nvSpPr>
-            <p:cNvPr id="85" name="Rectangle 84"/>
-            <p:cNvSpPr/>
-            <p:nvPr/>
-          </p:nvSpPr>
-          <p:spPr>
-            <a:xfrm>
-              <a:off x="5590210" y="3430888"/>
-              <a:ext cx="871046" cy="237469"/>
-            </a:xfrm>
-            <a:prstGeom prst="rect">
-              <a:avLst/>
-            </a:prstGeom>
-          </p:spPr>
-          <p:style>
-            <a:lnRef idx="2">
-              <a:schemeClr val="accent1"/>
-            </a:lnRef>
-            <a:fillRef idx="1">
-              <a:schemeClr val="lt1"/>
-            </a:fillRef>
-            <a:effectRef idx="0">
-              <a:schemeClr val="accent1"/>
-            </a:effectRef>
-            <a:fontRef idx="minor">
-              <a:schemeClr val="dk1"/>
-            </a:fontRef>
-          </p:style>
-          <p:txBody>
-            <a:bodyPr rtlCol="0" anchor="ctr"/>
-            <a:lstStyle/>
-            <a:p>
-              <a:pPr algn="ctr"/>
-              <a:r>
-                <a:rPr lang="en-GB" sz="900" dirty="0" smtClean="0"/>
-                <a:t>Error Store</a:t>
-              </a:r>
-              <a:endParaRPr lang="en-GB" sz="900" dirty="0"/>
-            </a:p>
-          </p:txBody>
-        </p:sp>
-        <p:sp>
-          <p:nvSpPr>
-            <p:cNvPr id="86" name="Rectangle 85"/>
-            <p:cNvSpPr/>
-            <p:nvPr/>
-          </p:nvSpPr>
-          <p:spPr>
-            <a:xfrm>
-              <a:off x="5798607" y="1912252"/>
-              <a:ext cx="229338" cy="237469"/>
-            </a:xfrm>
-            <a:prstGeom prst="rect">
-              <a:avLst/>
-            </a:prstGeom>
-          </p:spPr>
-          <p:style>
-            <a:lnRef idx="2">
-              <a:schemeClr val="accent1"/>
-            </a:lnRef>
-            <a:fillRef idx="1">
-              <a:schemeClr val="lt1"/>
-            </a:fillRef>
-            <a:effectRef idx="0">
-              <a:schemeClr val="accent1"/>
-            </a:effectRef>
-            <a:fontRef idx="minor">
-              <a:schemeClr val="dk1"/>
-            </a:fontRef>
-          </p:style>
-          <p:txBody>
-            <a:bodyPr rtlCol="0" anchor="ctr"/>
-            <a:lstStyle/>
-            <a:p>
-              <a:pPr algn="ctr"/>
-              <a:r>
-                <a:rPr lang="en-GB" sz="900" dirty="0" smtClean="0"/>
-                <a:t>P</a:t>
-              </a:r>
-              <a:endParaRPr lang="en-GB" sz="900" dirty="0"/>
-            </a:p>
-          </p:txBody>
-        </p:sp>
-        <p:sp>
-          <p:nvSpPr>
-            <p:cNvPr id="87" name="Rectangle 86"/>
-            <p:cNvSpPr/>
-            <p:nvPr/>
-          </p:nvSpPr>
-          <p:spPr>
-            <a:xfrm>
-              <a:off x="5798607" y="2401132"/>
-              <a:ext cx="229338" cy="237469"/>
-            </a:xfrm>
-            <a:prstGeom prst="rect">
-              <a:avLst/>
-            </a:prstGeom>
-          </p:spPr>
-          <p:style>
-            <a:lnRef idx="2">
-              <a:schemeClr val="accent1"/>
-            </a:lnRef>
-            <a:fillRef idx="1">
-              <a:schemeClr val="lt1"/>
-            </a:fillRef>
-            <a:effectRef idx="0">
-              <a:schemeClr val="accent1"/>
-            </a:effectRef>
-            <a:fontRef idx="minor">
-              <a:schemeClr val="dk1"/>
-            </a:fontRef>
-          </p:style>
-          <p:txBody>
-            <a:bodyPr rtlCol="0" anchor="ctr"/>
-            <a:lstStyle/>
-            <a:p>
-              <a:pPr algn="ctr"/>
-              <a:r>
-                <a:rPr lang="en-GB" sz="900" dirty="0" smtClean="0"/>
-                <a:t>I</a:t>
-              </a:r>
-              <a:endParaRPr lang="en-GB" sz="900" dirty="0"/>
-            </a:p>
-          </p:txBody>
-        </p:sp>
-        <p:sp>
-          <p:nvSpPr>
-            <p:cNvPr id="88" name="Rectangle 87"/>
-            <p:cNvSpPr/>
-            <p:nvPr/>
-          </p:nvSpPr>
-          <p:spPr>
-            <a:xfrm>
-              <a:off x="5798607" y="2826269"/>
-              <a:ext cx="229338" cy="237469"/>
-            </a:xfrm>
-            <a:prstGeom prst="rect">
-              <a:avLst/>
-            </a:prstGeom>
-          </p:spPr>
-          <p:style>
-            <a:lnRef idx="2">
-              <a:schemeClr val="accent1"/>
-            </a:lnRef>
-            <a:fillRef idx="1">
-              <a:schemeClr val="lt1"/>
-            </a:fillRef>
-            <a:effectRef idx="0">
-              <a:schemeClr val="accent1"/>
-            </a:effectRef>
-            <a:fontRef idx="minor">
-              <a:schemeClr val="dk1"/>
-            </a:fontRef>
-          </p:style>
-          <p:txBody>
-            <a:bodyPr rtlCol="0" anchor="ctr"/>
-            <a:lstStyle/>
-            <a:p>
-              <a:pPr algn="ctr"/>
-              <a:r>
-                <a:rPr lang="en-GB" sz="900" dirty="0" smtClean="0"/>
-                <a:t>D</a:t>
-              </a:r>
-            </a:p>
-          </p:txBody>
-        </p:sp>
-        <p:sp>
-          <p:nvSpPr>
-            <p:cNvPr id="89" name="Oval 88"/>
-            <p:cNvSpPr/>
-            <p:nvPr/>
-          </p:nvSpPr>
-          <p:spPr>
-            <a:xfrm>
-              <a:off x="6226052" y="2401132"/>
-              <a:ext cx="229338" cy="237469"/>
-            </a:xfrm>
-            <a:prstGeom prst="ellipse">
-              <a:avLst/>
-            </a:prstGeom>
-          </p:spPr>
-          <p:style>
-            <a:lnRef idx="2">
-              <a:schemeClr val="accent1"/>
-            </a:lnRef>
-            <a:fillRef idx="1">
-              <a:schemeClr val="lt1"/>
-            </a:fillRef>
-            <a:effectRef idx="0">
-              <a:schemeClr val="accent1"/>
-            </a:effectRef>
-            <a:fontRef idx="minor">
-              <a:schemeClr val="dk1"/>
-            </a:fontRef>
-          </p:style>
-          <p:txBody>
-            <a:bodyPr rtlCol="0" anchor="ctr"/>
-            <a:lstStyle/>
-            <a:p>
-              <a:pPr algn="ctr"/>
-              <a:r>
-                <a:rPr lang="en-GB" sz="900" dirty="0"/>
-                <a:t>+</a:t>
-              </a:r>
-            </a:p>
-          </p:txBody>
-        </p:sp>
-        <p:grpSp>
-          <p:nvGrpSpPr>
-            <p:cNvPr id="112" name="Group 111"/>
-            <p:cNvGrpSpPr/>
-            <p:nvPr/>
-          </p:nvGrpSpPr>
-          <p:grpSpPr>
-            <a:xfrm>
-              <a:off x="586640" y="2230982"/>
-              <a:ext cx="577768" cy="577768"/>
-              <a:chOff x="586640" y="2230982"/>
-              <a:chExt cx="577768" cy="577768"/>
-            </a:xfrm>
-          </p:grpSpPr>
-          <p:sp>
-            <p:nvSpPr>
-              <p:cNvPr id="98" name="Oval 97"/>
-              <p:cNvSpPr/>
-              <p:nvPr/>
-            </p:nvSpPr>
-            <p:spPr>
-              <a:xfrm>
-                <a:off x="586640" y="2230982"/>
-                <a:ext cx="577768" cy="577768"/>
-              </a:xfrm>
-              <a:prstGeom prst="ellipse">
-                <a:avLst/>
-              </a:prstGeom>
-              <a:ln>
-                <a:solidFill>
-                  <a:schemeClr val="tx1"/>
-                </a:solidFill>
-              </a:ln>
-            </p:spPr>
-            <p:style>
-              <a:lnRef idx="2">
-                <a:schemeClr val="accent3">
-                  <a:shade val="50000"/>
-                </a:schemeClr>
-              </a:lnRef>
-              <a:fillRef idx="1">
-                <a:schemeClr val="accent3"/>
-              </a:fillRef>
-              <a:effectRef idx="0">
-                <a:schemeClr val="accent3"/>
-              </a:effectRef>
-              <a:fontRef idx="minor">
-                <a:schemeClr val="lt1"/>
-              </a:fontRef>
-            </p:style>
-            <p:txBody>
-              <a:bodyPr rtlCol="0" anchor="ctr"/>
-              <a:lstStyle/>
-              <a:p>
-                <a:pPr algn="ctr"/>
-                <a:endParaRPr lang="en-GB"/>
-              </a:p>
-            </p:txBody>
-          </p:sp>
-          <p:cxnSp>
-            <p:nvCxnSpPr>
-              <p:cNvPr id="100" name="Straight Connector 99"/>
-              <p:cNvCxnSpPr>
-                <a:stCxn id="98" idx="0"/>
-              </p:cNvCxnSpPr>
-              <p:nvPr/>
-            </p:nvCxnSpPr>
-            <p:spPr>
-              <a:xfrm flipH="1">
-                <a:off x="875522" y="2230982"/>
-                <a:ext cx="2" cy="294604"/>
-              </a:xfrm>
-              <a:prstGeom prst="line">
-                <a:avLst/>
-              </a:prstGeom>
-              <a:ln w="38100">
-                <a:solidFill>
-                  <a:schemeClr val="tx1"/>
-                </a:solidFill>
-              </a:ln>
-            </p:spPr>
-            <p:style>
-              <a:lnRef idx="1">
-                <a:schemeClr val="accent1"/>
-              </a:lnRef>
-              <a:fillRef idx="0">
-                <a:schemeClr val="accent1"/>
-              </a:fillRef>
-              <a:effectRef idx="0">
-                <a:schemeClr val="accent1"/>
-              </a:effectRef>
-              <a:fontRef idx="minor">
-                <a:schemeClr val="tx1"/>
-              </a:fontRef>
-            </p:style>
-          </p:cxnSp>
-        </p:grpSp>
       </p:grpSp>
+      <p:sp>
+        <p:nvSpPr>
+          <p:cNvPr id="9" name="Rectangle 8"/>
+          <p:cNvSpPr/>
+          <p:nvPr/>
+        </p:nvSpPr>
+        <p:spPr>
+          <a:xfrm>
+            <a:off x="7041378" y="2052933"/>
+            <a:ext cx="1000676" cy="945305"/>
+          </a:xfrm>
+          <a:prstGeom prst="rect">
+            <a:avLst/>
+          </a:prstGeom>
+        </p:spPr>
+        <p:style>
+          <a:lnRef idx="2">
+            <a:schemeClr val="accent1">
+              <a:shade val="50000"/>
+            </a:schemeClr>
+          </a:lnRef>
+          <a:fillRef idx="1">
+            <a:schemeClr val="accent1"/>
+          </a:fillRef>
+          <a:effectRef idx="0">
+            <a:schemeClr val="accent1"/>
+          </a:effectRef>
+          <a:fontRef idx="minor">
+            <a:schemeClr val="lt1"/>
+          </a:fontRef>
+        </p:style>
+        <p:txBody>
+          <a:bodyPr rtlCol="0" anchor="ctr"/>
+          <a:lstStyle/>
+          <a:p>
+            <a:pPr algn="ctr"/>
+            <a:endParaRPr lang="en-GB" sz="900" dirty="0"/>
+          </a:p>
+        </p:txBody>
+      </p:sp>
+      <p:sp>
+        <p:nvSpPr>
+          <p:cNvPr id="22" name="Rectangle 21"/>
+          <p:cNvSpPr/>
+          <p:nvPr/>
+        </p:nvSpPr>
+        <p:spPr>
+          <a:xfrm>
+            <a:off x="7041377" y="1691320"/>
+            <a:ext cx="1000678" cy="361609"/>
+          </a:xfrm>
+          <a:prstGeom prst="rect">
+            <a:avLst/>
+          </a:prstGeom>
+        </p:spPr>
+        <p:style>
+          <a:lnRef idx="2">
+            <a:schemeClr val="accent1"/>
+          </a:lnRef>
+          <a:fillRef idx="1">
+            <a:schemeClr val="lt1"/>
+          </a:fillRef>
+          <a:effectRef idx="0">
+            <a:schemeClr val="accent1"/>
+          </a:effectRef>
+          <a:fontRef idx="minor">
+            <a:schemeClr val="dk1"/>
+          </a:fontRef>
+        </p:style>
+        <p:txBody>
+          <a:bodyPr rtlCol="0" anchor="ctr"/>
+          <a:lstStyle/>
+          <a:p>
+            <a:pPr algn="ctr"/>
+            <a:r>
+              <a:rPr lang="en-GB" sz="900" dirty="0" smtClean="0"/>
+              <a:t>Engine Control</a:t>
+            </a:r>
+            <a:endParaRPr lang="en-GB" sz="900" dirty="0"/>
+          </a:p>
+        </p:txBody>
+      </p:sp>
+      <p:sp>
+        <p:nvSpPr>
+          <p:cNvPr id="90" name="Rectangle 89"/>
+          <p:cNvSpPr/>
+          <p:nvPr/>
+        </p:nvSpPr>
+        <p:spPr>
+          <a:xfrm>
+            <a:off x="9527493" y="2052933"/>
+            <a:ext cx="703480" cy="945305"/>
+          </a:xfrm>
+          <a:prstGeom prst="rect">
+            <a:avLst/>
+          </a:prstGeom>
+        </p:spPr>
+        <p:style>
+          <a:lnRef idx="2">
+            <a:schemeClr val="accent2">
+              <a:shade val="50000"/>
+            </a:schemeClr>
+          </a:lnRef>
+          <a:fillRef idx="1">
+            <a:schemeClr val="accent2"/>
+          </a:fillRef>
+          <a:effectRef idx="0">
+            <a:schemeClr val="accent2"/>
+          </a:effectRef>
+          <a:fontRef idx="minor">
+            <a:schemeClr val="lt1"/>
+          </a:fontRef>
+        </p:style>
+        <p:txBody>
+          <a:bodyPr rtlCol="0" anchor="ctr"/>
+          <a:lstStyle/>
+          <a:p>
+            <a:pPr algn="ctr"/>
+            <a:endParaRPr lang="en-GB" sz="900" dirty="0"/>
+          </a:p>
+        </p:txBody>
+      </p:sp>
+      <p:sp>
+        <p:nvSpPr>
+          <p:cNvPr id="91" name="Rectangle 90"/>
+          <p:cNvSpPr/>
+          <p:nvPr/>
+        </p:nvSpPr>
+        <p:spPr>
+          <a:xfrm>
+            <a:off x="9527494" y="1691322"/>
+            <a:ext cx="705820" cy="361609"/>
+          </a:xfrm>
+          <a:prstGeom prst="rect">
+            <a:avLst/>
+          </a:prstGeom>
+        </p:spPr>
+        <p:style>
+          <a:lnRef idx="2">
+            <a:schemeClr val="accent1"/>
+          </a:lnRef>
+          <a:fillRef idx="1">
+            <a:schemeClr val="lt1"/>
+          </a:fillRef>
+          <a:effectRef idx="0">
+            <a:schemeClr val="accent1"/>
+          </a:effectRef>
+          <a:fontRef idx="minor">
+            <a:schemeClr val="dk1"/>
+          </a:fontRef>
+        </p:style>
+        <p:txBody>
+          <a:bodyPr rtlCol="0" anchor="ctr"/>
+          <a:lstStyle/>
+          <a:p>
+            <a:pPr algn="ctr"/>
+            <a:r>
+              <a:rPr lang="en-GB" sz="900" dirty="0" smtClean="0"/>
+              <a:t>Motor Controller</a:t>
+            </a:r>
+            <a:endParaRPr lang="en-GB" sz="900" dirty="0"/>
+          </a:p>
+        </p:txBody>
+      </p:sp>
     </p:spTree>
     <p:extLst>
       <p:ext uri="{BB962C8B-B14F-4D97-AF65-F5344CB8AC3E}">
